--- a/0.组会记录/2024-10-9/report-2024-10-10.pptx
+++ b/0.组会记录/2024-10-9/report-2024-10-10.pptx
@@ -5369,8 +5369,8 @@
         </p:nvSpPr>
         <p:spPr>
           <a:xfrm>
-            <a:off x="724535" y="2517775"/>
-            <a:ext cx="6306185" cy="1800225"/>
+            <a:off x="286385" y="2472055"/>
+            <a:ext cx="6306185" cy="603885"/>
           </a:xfrm>
           <a:prstGeom prst="rect">
             <a:avLst/>
@@ -5451,7 +5451,27 @@
                 <a:latin typeface="微软雅黑" panose="020B0503020204020204" charset="-122"/>
                 <a:ea typeface="微软雅黑" panose="020B0503020204020204" charset="-122"/>
               </a:rPr>
-              <a:t>o(n</a:t>
+              <a:t>           </a:t>
+            </a:r>
+            <a:endParaRPr lang="en-US" altLang="zh-CN" sz="1600" dirty="0">
+              <a:solidFill>
+                <a:schemeClr val="tx1"/>
+              </a:solidFill>
+              <a:latin typeface="微软雅黑" panose="020B0503020204020204" charset="-122"/>
+              <a:ea typeface="微软雅黑" panose="020B0503020204020204" charset="-122"/>
+            </a:endParaRPr>
+          </a:p>
+          <a:p>
+            <a:pPr indent="457200"/>
+            <a:r>
+              <a:rPr lang="en-US" altLang="zh-CN" sz="1600" dirty="0">
+                <a:solidFill>
+                  <a:schemeClr val="tx1"/>
+                </a:solidFill>
+                <a:latin typeface="微软雅黑" panose="020B0503020204020204" charset="-122"/>
+                <a:ea typeface="微软雅黑" panose="020B0503020204020204" charset="-122"/>
+              </a:rPr>
+              <a:t>   o(n</a:t>
             </a:r>
             <a:r>
               <a:rPr lang="en-US" altLang="zh-CN" sz="1600" baseline="30000" dirty="0">
@@ -5705,7 +5725,7 @@
         <p:spPr>
           <a:xfrm>
             <a:off x="979170" y="6002655"/>
-            <a:ext cx="10685145" cy="829945"/>
+            <a:ext cx="10685145" cy="337185"/>
           </a:xfrm>
           <a:prstGeom prst="rect">
             <a:avLst/>
@@ -5726,30 +5746,188 @@
                 <a:ea typeface="微软雅黑" panose="020B0503020204020204" charset="-122"/>
                 <a:sym typeface="+mn-ea"/>
               </a:rPr>
-              <a:t>1.  广义残差块不仅可以作为标准CNN层（通过学习将残差流置零）或单层ResNet块（通过学习将瞬态流置零），而且通过重复广义残差块，该架构具有学习两者之间任何内容的能力 </a:t>
-            </a:r>
-            <a:endParaRPr lang="en-US" altLang="zh-CN" sz="1600" dirty="0">
+              <a:t>1.  </a:t>
+            </a:r>
+            <a:r>
+              <a:rPr lang="zh-CN" altLang="en-US" sz="1600" dirty="0">
+                <a:latin typeface="微软雅黑" panose="020B0503020204020204" charset="-122"/>
+                <a:ea typeface="微软雅黑" panose="020B0503020204020204" charset="-122"/>
+                <a:sym typeface="+mn-ea"/>
+              </a:rPr>
+              <a:t>提出了把图片切分为等大小的</a:t>
+            </a:r>
+            <a:r>
+              <a:rPr lang="en-US" altLang="zh-CN" sz="1600" dirty="0">
+                <a:latin typeface="微软雅黑" panose="020B0503020204020204" charset="-122"/>
+                <a:ea typeface="微软雅黑" panose="020B0503020204020204" charset="-122"/>
+                <a:sym typeface="+mn-ea"/>
+              </a:rPr>
+              <a:t>batch</a:t>
+            </a:r>
+            <a:r>
+              <a:rPr lang="zh-CN" altLang="en-US" sz="1600" dirty="0">
+                <a:latin typeface="微软雅黑" panose="020B0503020204020204" charset="-122"/>
+                <a:ea typeface="微软雅黑" panose="020B0503020204020204" charset="-122"/>
+                <a:sym typeface="+mn-ea"/>
+              </a:rPr>
+              <a:t>，将</a:t>
+            </a:r>
+            <a:r>
+              <a:rPr lang="en-US" altLang="zh-CN" sz="1600" dirty="0">
+                <a:latin typeface="微软雅黑" panose="020B0503020204020204" charset="-122"/>
+                <a:ea typeface="微软雅黑" panose="020B0503020204020204" charset="-122"/>
+                <a:sym typeface="+mn-ea"/>
+              </a:rPr>
+              <a:t>Transformer</a:t>
+            </a:r>
+            <a:r>
+              <a:rPr lang="zh-CN" altLang="en-US" sz="1600" dirty="0">
+                <a:latin typeface="微软雅黑" panose="020B0503020204020204" charset="-122"/>
+                <a:ea typeface="微软雅黑" panose="020B0503020204020204" charset="-122"/>
+                <a:sym typeface="+mn-ea"/>
+              </a:rPr>
+              <a:t>直接应用到了</a:t>
+            </a:r>
+            <a:r>
+              <a:rPr lang="en-US" altLang="zh-CN" sz="1600" dirty="0">
+                <a:latin typeface="微软雅黑" panose="020B0503020204020204" charset="-122"/>
+                <a:ea typeface="微软雅黑" panose="020B0503020204020204" charset="-122"/>
+                <a:sym typeface="+mn-ea"/>
+              </a:rPr>
+              <a:t>cv</a:t>
+            </a:r>
+            <a:r>
+              <a:rPr lang="zh-CN" altLang="en-US" sz="1600" dirty="0">
+                <a:latin typeface="微软雅黑" panose="020B0503020204020204" charset="-122"/>
+                <a:ea typeface="微软雅黑" panose="020B0503020204020204" charset="-122"/>
+                <a:sym typeface="+mn-ea"/>
+              </a:rPr>
+              <a:t>任务里面</a:t>
+            </a:r>
+            <a:endParaRPr lang="zh-CN" altLang="en-US" sz="1600" dirty="0">
               <a:latin typeface="微软雅黑" panose="020B0503020204020204" charset="-122"/>
               <a:ea typeface="微软雅黑" panose="020B0503020204020204" charset="-122"/>
               <a:sym typeface="+mn-ea"/>
             </a:endParaRPr>
           </a:p>
-          <a:p>
-            <a:pPr marL="0" lvl="0" indent="0">
-              <a:buNone/>
-            </a:pPr>
+        </p:txBody>
+      </p:sp>
+      <p:sp>
+        <p:nvSpPr>
+          <p:cNvPr id="10" name="文本框 9"/>
+          <p:cNvSpPr txBox="1"/>
+          <p:nvPr/>
+        </p:nvSpPr>
+        <p:spPr>
+          <a:xfrm>
+            <a:off x="286385" y="1457325"/>
+            <a:ext cx="6884035" cy="603885"/>
+          </a:xfrm>
+          <a:prstGeom prst="rect">
+            <a:avLst/>
+          </a:prstGeom>
+          <a:noFill/>
+        </p:spPr>
+        <p:txBody>
+          <a:bodyPr wrap="square" rtlCol="0">
+            <a:noAutofit/>
+          </a:bodyPr>
+          <a:p>
+            <a:pPr indent="457200"/>
             <a:r>
               <a:rPr lang="en-US" altLang="zh-CN" sz="1600" dirty="0">
-                <a:latin typeface="微软雅黑" panose="020B0503020204020204" charset="-122"/>
-                <a:ea typeface="微软雅黑" panose="020B0503020204020204" charset="-122"/>
-                <a:sym typeface="+mn-ea"/>
-              </a:rPr>
-              <a:t>2.  广义残差块可以通过一种称为ResNet Init的修改初始化方案简单实现，无需额外的参数或计算开销</a:t>
+                <a:solidFill>
+                  <a:schemeClr val="tx1"/>
+                </a:solidFill>
+                <a:latin typeface="微软雅黑" panose="020B0503020204020204" charset="-122"/>
+                <a:ea typeface="微软雅黑" panose="020B0503020204020204" charset="-122"/>
+              </a:rPr>
+              <a:t>1.</a:t>
+            </a:r>
+            <a:r>
+              <a:rPr lang="zh-CN" altLang="en-US" sz="1600" dirty="0">
+                <a:solidFill>
+                  <a:schemeClr val="tx1"/>
+                </a:solidFill>
+                <a:latin typeface="微软雅黑" panose="020B0503020204020204" charset="-122"/>
+                <a:ea typeface="微软雅黑" panose="020B0503020204020204" charset="-122"/>
+              </a:rPr>
+              <a:t>直接应用</a:t>
+            </a:r>
+            <a:r>
+              <a:rPr lang="en-US" altLang="zh-CN" sz="1600" dirty="0">
+                <a:solidFill>
+                  <a:schemeClr val="tx1"/>
+                </a:solidFill>
+                <a:latin typeface="微软雅黑" panose="020B0503020204020204" charset="-122"/>
+                <a:ea typeface="微软雅黑" panose="020B0503020204020204" charset="-122"/>
+              </a:rPr>
+              <a:t>Transformer</a:t>
+            </a:r>
+            <a:r>
+              <a:rPr lang="zh-CN" altLang="en-US" sz="1600" dirty="0">
+                <a:solidFill>
+                  <a:schemeClr val="tx1"/>
+                </a:solidFill>
+                <a:latin typeface="微软雅黑" panose="020B0503020204020204" charset="-122"/>
+                <a:ea typeface="微软雅黑" panose="020B0503020204020204" charset="-122"/>
+              </a:rPr>
+              <a:t>到目标检测任务，把视觉当做自然语言处理</a:t>
             </a:r>
             <a:endParaRPr lang="en-US" altLang="zh-CN" sz="1600" dirty="0">
+              <a:solidFill>
+                <a:schemeClr val="tx1"/>
+              </a:solidFill>
               <a:latin typeface="微软雅黑" panose="020B0503020204020204" charset="-122"/>
               <a:ea typeface="微软雅黑" panose="020B0503020204020204" charset="-122"/>
-              <a:sym typeface="+mn-ea"/>
+            </a:endParaRPr>
+          </a:p>
+          <a:p>
+            <a:pPr marL="0" lvl="0" indent="0">
+              <a:buNone/>
+            </a:pPr>
+            <a:endParaRPr lang="en-US" altLang="zh-CN" sz="1600" dirty="0">
+              <a:solidFill>
+                <a:schemeClr val="tx1"/>
+              </a:solidFill>
+              <a:latin typeface="微软雅黑" panose="020B0503020204020204" charset="-122"/>
+              <a:ea typeface="微软雅黑" panose="020B0503020204020204" charset="-122"/>
+            </a:endParaRPr>
+          </a:p>
+          <a:p>
+            <a:pPr marL="0" lvl="0" indent="0">
+              <a:buNone/>
+            </a:pPr>
+            <a:endParaRPr lang="en-US" altLang="zh-CN" sz="1600" dirty="0">
+              <a:solidFill>
+                <a:schemeClr val="tx1"/>
+              </a:solidFill>
+              <a:latin typeface="微软雅黑" panose="020B0503020204020204" charset="-122"/>
+              <a:ea typeface="微软雅黑" panose="020B0503020204020204" charset="-122"/>
+            </a:endParaRPr>
+          </a:p>
+          <a:p>
+            <a:pPr marL="0" lvl="0" indent="0">
+              <a:buNone/>
+            </a:pPr>
+            <a:endParaRPr lang="en-US" altLang="zh-CN" sz="1600" dirty="0">
+              <a:solidFill>
+                <a:schemeClr val="tx1"/>
+              </a:solidFill>
+              <a:latin typeface="微软雅黑" panose="020B0503020204020204" charset="-122"/>
+              <a:ea typeface="微软雅黑" panose="020B0503020204020204" charset="-122"/>
+            </a:endParaRPr>
+          </a:p>
+          <a:p>
+            <a:pPr marL="0" lvl="0" indent="0">
+              <a:buNone/>
+            </a:pPr>
+            <a:endParaRPr lang="en-US" altLang="zh-CN" sz="1600" dirty="0">
+              <a:solidFill>
+                <a:schemeClr val="tx1"/>
+              </a:solidFill>
+              <a:latin typeface="微软雅黑" panose="020B0503020204020204" charset="-122"/>
+              <a:ea typeface="微软雅黑" panose="020B0503020204020204" charset="-122"/>
             </a:endParaRPr>
           </a:p>
         </p:txBody>

--- a/0.组会记录/2024-10-9/report-2024-10-10.pptx
+++ b/0.组会记录/2024-10-9/report-2024-10-10.pptx
@@ -13,15 +13,16 @@
     <p:sldId id="1007" r:id="rId5"/>
     <p:sldId id="1286" r:id="rId6"/>
     <p:sldId id="1359" r:id="rId8"/>
-    <p:sldId id="1360" r:id="rId9"/>
-    <p:sldId id="1357" r:id="rId10"/>
-    <p:sldId id="1358" r:id="rId11"/>
-    <p:sldId id="1356" r:id="rId12"/>
+    <p:sldId id="1364" r:id="rId9"/>
+    <p:sldId id="1360" r:id="rId10"/>
+    <p:sldId id="1357" r:id="rId11"/>
+    <p:sldId id="1358" r:id="rId12"/>
+    <p:sldId id="1356" r:id="rId13"/>
   </p:sldIdLst>
   <p:sldSz cx="12192000" cy="6858000"/>
   <p:notesSz cx="6858000" cy="9144000"/>
   <p:custDataLst>
-    <p:tags r:id="rId17"/>
+    <p:tags r:id="rId18"/>
   </p:custDataLst>
   <p:defaultTextStyle>
     <a:defPPr>
@@ -787,6 +788,84 @@
 </file>
 
 <file path=ppt/notesSlides/notesSlide5.xml><?xml version="1.0" encoding="utf-8"?>
+<p:notes xmlns:a="http://schemas.openxmlformats.org/drawingml/2006/main" xmlns:r="http://schemas.openxmlformats.org/officeDocument/2006/relationships" xmlns:p="http://schemas.openxmlformats.org/presentationml/2006/main">
+  <p:cSld>
+    <p:spTree>
+      <p:nvGrpSpPr>
+        <p:cNvPr id="1" name=""/>
+        <p:cNvGrpSpPr/>
+        <p:nvPr/>
+      </p:nvGrpSpPr>
+      <p:grpSpPr>
+        <a:xfrm>
+          <a:off x="0" y="0"/>
+          <a:ext cx="0" cy="0"/>
+          <a:chOff x="0" y="0"/>
+          <a:chExt cx="0" cy="0"/>
+        </a:xfrm>
+      </p:grpSpPr>
+      <p:sp>
+        <p:nvSpPr>
+          <p:cNvPr id="2" name="幻灯片图像占位符 1"/>
+          <p:cNvSpPr>
+            <a:spLocks noGrp="1" noRot="1" noChangeAspect="1"/>
+          </p:cNvSpPr>
+          <p:nvPr>
+            <p:ph type="sldImg"/>
+          </p:nvPr>
+        </p:nvSpPr>
+        <p:spPr/>
+      </p:sp>
+      <p:sp>
+        <p:nvSpPr>
+          <p:cNvPr id="3" name="备注占位符 2"/>
+          <p:cNvSpPr>
+            <a:spLocks noGrp="1"/>
+          </p:cNvSpPr>
+          <p:nvPr>
+            <p:ph type="body" idx="1"/>
+          </p:nvPr>
+        </p:nvSpPr>
+        <p:spPr/>
+        <p:txBody>
+          <a:bodyPr/>
+          <a:lstStyle/>
+          <a:p>
+            <a:endParaRPr lang="zh-CN" altLang="en-US" dirty="0"/>
+          </a:p>
+        </p:txBody>
+      </p:sp>
+      <p:sp>
+        <p:nvSpPr>
+          <p:cNvPr id="4" name="灯片编号占位符 3"/>
+          <p:cNvSpPr>
+            <a:spLocks noGrp="1"/>
+          </p:cNvSpPr>
+          <p:nvPr>
+            <p:ph type="sldNum" sz="quarter" idx="5"/>
+          </p:nvPr>
+        </p:nvSpPr>
+        <p:spPr/>
+        <p:txBody>
+          <a:bodyPr/>
+          <a:lstStyle/>
+          <a:p>
+            <a:fld id="{311DA921-5814-416C-A214-0F50BD081254}" type="slidenum">
+              <a:rPr lang="zh-CN" altLang="en-US" smtClean="0"/>
+            </a:fld>
+            <a:endParaRPr lang="zh-CN" altLang="en-US"/>
+          </a:p>
+        </p:txBody>
+      </p:sp>
+    </p:spTree>
+  </p:cSld>
+  <p:clrMapOvr>
+    <a:masterClrMapping/>
+  </p:clrMapOvr>
+</p:notes>
+</file>
+
+<file path=ppt/notesSlides/notesSlide6.xml><?xml version="1.0" encoding="utf-8"?>
 <p:notes xmlns:a="http://schemas.openxmlformats.org/drawingml/2006/main" xmlns:r="http://schemas.openxmlformats.org/officeDocument/2006/relationships" xmlns:p="http://schemas.openxmlformats.org/presentationml/2006/main">
   <p:cSld>
     <p:spTree>
@@ -3995,6 +4074,199 @@
 </p:sld>
 </file>
 
+<file path=ppt/slides/slide10.xml><?xml version="1.0" encoding="utf-8"?>
+<p:sld xmlns:a="http://schemas.openxmlformats.org/drawingml/2006/main" xmlns:r="http://schemas.openxmlformats.org/officeDocument/2006/relationships" xmlns:p="http://schemas.openxmlformats.org/presentationml/2006/main">
+  <p:cSld>
+    <p:spTree>
+      <p:nvGrpSpPr>
+        <p:cNvPr id="1" name=""/>
+        <p:cNvGrpSpPr/>
+        <p:nvPr/>
+      </p:nvGrpSpPr>
+      <p:grpSpPr>
+        <a:xfrm>
+          <a:off x="0" y="0"/>
+          <a:ext cx="0" cy="0"/>
+          <a:chOff x="0" y="0"/>
+          <a:chExt cx="0" cy="0"/>
+        </a:xfrm>
+      </p:grpSpPr>
+      <p:pic>
+        <p:nvPicPr>
+          <p:cNvPr id="4" name="图片 3" descr="1"/>
+          <p:cNvPicPr>
+            <a:picLocks noChangeAspect="1"/>
+          </p:cNvPicPr>
+          <p:nvPr/>
+        </p:nvPicPr>
+        <p:blipFill>
+          <a:blip r:embed="rId1"/>
+          <a:stretch>
+            <a:fillRect/>
+          </a:stretch>
+        </p:blipFill>
+        <p:spPr>
+          <a:xfrm>
+            <a:off x="4745355" y="-588645"/>
+            <a:ext cx="12060555" cy="8474075"/>
+          </a:xfrm>
+          <a:prstGeom prst="rect">
+            <a:avLst/>
+          </a:prstGeom>
+        </p:spPr>
+      </p:pic>
+      <p:sp>
+        <p:nvSpPr>
+          <p:cNvPr id="5" name="文本框 4"/>
+          <p:cNvSpPr txBox="1"/>
+          <p:nvPr/>
+        </p:nvSpPr>
+        <p:spPr>
+          <a:xfrm>
+            <a:off x="768985" y="2095500"/>
+            <a:ext cx="7110730" cy="1445260"/>
+          </a:xfrm>
+          <a:prstGeom prst="rect">
+            <a:avLst/>
+          </a:prstGeom>
+          <a:noFill/>
+        </p:spPr>
+        <p:txBody>
+          <a:bodyPr wrap="square" rtlCol="0">
+            <a:spAutoFit/>
+          </a:bodyPr>
+          <a:lstStyle/>
+          <a:p>
+            <a:pPr marL="0" marR="0" lvl="0" indent="0" algn="l" defTabSz="914400" rtl="0" eaLnBrk="1" fontAlgn="auto" latinLnBrk="0" hangingPunct="1">
+              <a:lnSpc>
+                <a:spcPct val="100000"/>
+              </a:lnSpc>
+              <a:spcBef>
+                <a:spcPts val="0"/>
+              </a:spcBef>
+              <a:spcAft>
+                <a:spcPts val="0"/>
+              </a:spcAft>
+              <a:buClrTx/>
+              <a:buSzTx/>
+              <a:buFontTx/>
+              <a:buNone/>
+              <a:defRPr/>
+            </a:pPr>
+            <a:r>
+              <a:rPr kumimoji="0" lang="en-US" altLang="zh-CN" sz="8800" b="0" i="0" u="none" strike="noStrike" kern="1200" cap="none" spc="0" normalizeH="0" baseline="0" noProof="0" dirty="0">
+                <a:ln>
+                  <a:solidFill>
+                    <a:srgbClr val="383987"/>
+                  </a:solidFill>
+                </a:ln>
+                <a:noFill/>
+                <a:effectLst/>
+                <a:uLnTx/>
+                <a:uFillTx/>
+                <a:latin typeface="Agency FB" panose="020B0503020202020204" pitchFamily="34" charset="0"/>
+                <a:ea typeface="宋体" panose="02010600030101010101" pitchFamily="2" charset="-122"/>
+                <a:cs typeface="+mn-cs"/>
+              </a:rPr>
+              <a:t>THANKS</a:t>
+            </a:r>
+            <a:endParaRPr kumimoji="0" lang="en-US" altLang="zh-CN" sz="8800" b="0" i="0" u="none" strike="noStrike" kern="1200" cap="none" spc="0" normalizeH="0" baseline="0" noProof="0" dirty="0">
+              <a:ln>
+                <a:solidFill>
+                  <a:srgbClr val="383987"/>
+                </a:solidFill>
+              </a:ln>
+              <a:noFill/>
+              <a:effectLst/>
+              <a:uLnTx/>
+              <a:uFillTx/>
+              <a:latin typeface="Agency FB" panose="020B0503020202020204" pitchFamily="34" charset="0"/>
+              <a:ea typeface="宋体" panose="02010600030101010101" pitchFamily="2" charset="-122"/>
+              <a:cs typeface="+mn-cs"/>
+            </a:endParaRPr>
+          </a:p>
+        </p:txBody>
+      </p:sp>
+      <p:sp>
+        <p:nvSpPr>
+          <p:cNvPr id="2" name="文本框 1"/>
+          <p:cNvSpPr txBox="1"/>
+          <p:nvPr/>
+        </p:nvSpPr>
+        <p:spPr>
+          <a:xfrm>
+            <a:off x="934085" y="3540760"/>
+            <a:ext cx="4176395" cy="460375"/>
+          </a:xfrm>
+          <a:prstGeom prst="rect">
+            <a:avLst/>
+          </a:prstGeom>
+          <a:noFill/>
+        </p:spPr>
+        <p:txBody>
+          <a:bodyPr wrap="square" rtlCol="0">
+            <a:spAutoFit/>
+          </a:bodyPr>
+          <a:lstStyle/>
+          <a:p>
+            <a:pPr marL="0" marR="0" lvl="0" indent="0" algn="dist" defTabSz="914400" rtl="0" eaLnBrk="1" fontAlgn="auto" latinLnBrk="0" hangingPunct="1">
+              <a:lnSpc>
+                <a:spcPct val="100000"/>
+              </a:lnSpc>
+              <a:spcBef>
+                <a:spcPts val="0"/>
+              </a:spcBef>
+              <a:spcAft>
+                <a:spcPts val="0"/>
+              </a:spcAft>
+              <a:buClrTx/>
+              <a:buSzTx/>
+              <a:buFontTx/>
+              <a:buNone/>
+              <a:defRPr/>
+            </a:pPr>
+            <a:r>
+              <a:rPr kumimoji="0" lang="zh-CN" altLang="en-US" sz="2400" b="0" i="0" u="none" strike="noStrike" kern="1200" cap="none" spc="0" normalizeH="0" baseline="0" noProof="0">
+                <a:ln>
+                  <a:noFill/>
+                </a:ln>
+                <a:solidFill>
+                  <a:srgbClr val="383987"/>
+                </a:solidFill>
+                <a:effectLst/>
+                <a:uLnTx/>
+                <a:uFillTx/>
+                <a:latin typeface="微软雅黑" panose="020B0503020204020204" charset="-122"/>
+                <a:ea typeface="微软雅黑" panose="020B0503020204020204" charset="-122"/>
+                <a:cs typeface="+mn-cs"/>
+              </a:rPr>
+              <a:t>谢谢观看</a:t>
+            </a:r>
+            <a:endParaRPr kumimoji="0" lang="zh-CN" altLang="en-US" sz="2400" b="0" i="0" u="none" strike="noStrike" kern="1200" cap="none" spc="0" normalizeH="0" baseline="0" noProof="0">
+              <a:ln>
+                <a:noFill/>
+              </a:ln>
+              <a:solidFill>
+                <a:srgbClr val="383987"/>
+              </a:solidFill>
+              <a:effectLst/>
+              <a:uLnTx/>
+              <a:uFillTx/>
+              <a:latin typeface="微软雅黑" panose="020B0503020204020204" charset="-122"/>
+              <a:ea typeface="微软雅黑" panose="020B0503020204020204" charset="-122"/>
+              <a:cs typeface="+mn-cs"/>
+            </a:endParaRPr>
+          </a:p>
+        </p:txBody>
+      </p:sp>
+    </p:spTree>
+  </p:cSld>
+  <p:clrMapOvr>
+    <a:masterClrMapping/>
+  </p:clrMapOvr>
+</p:sld>
+</file>
+
 <file path=ppt/slides/slide2.xml><?xml version="1.0" encoding="utf-8"?>
 <p:sld xmlns:a="http://schemas.openxmlformats.org/drawingml/2006/main" xmlns:r="http://schemas.openxmlformats.org/officeDocument/2006/relationships" xmlns:p="http://schemas.openxmlformats.org/presentationml/2006/main">
   <p:cSld>
@@ -5370,7 +5642,7 @@
         <p:spPr>
           <a:xfrm>
             <a:off x="286385" y="2472055"/>
-            <a:ext cx="6306185" cy="603885"/>
+            <a:ext cx="6306185" cy="1276350"/>
           </a:xfrm>
           <a:prstGeom prst="rect">
             <a:avLst/>
@@ -5512,6 +5784,136 @@
                 <a:ea typeface="微软雅黑" panose="020B0503020204020204" charset="-122"/>
               </a:rPr>
               <a:t> </a:t>
+            </a:r>
+            <a:endParaRPr lang="en-US" altLang="zh-CN" sz="1600" dirty="0">
+              <a:solidFill>
+                <a:schemeClr val="tx1"/>
+              </a:solidFill>
+              <a:latin typeface="微软雅黑" panose="020B0503020204020204" charset="-122"/>
+              <a:ea typeface="微软雅黑" panose="020B0503020204020204" charset="-122"/>
+            </a:endParaRPr>
+          </a:p>
+          <a:p>
+            <a:pPr indent="457200"/>
+            <a:r>
+              <a:rPr lang="en-US" altLang="zh-CN" sz="1600" dirty="0">
+                <a:solidFill>
+                  <a:schemeClr val="tx1"/>
+                </a:solidFill>
+                <a:latin typeface="微软雅黑" panose="020B0503020204020204" charset="-122"/>
+                <a:ea typeface="微软雅黑" panose="020B0503020204020204" charset="-122"/>
+              </a:rPr>
+              <a:t>2.</a:t>
+            </a:r>
+            <a:r>
+              <a:rPr lang="zh-CN" altLang="en-US" sz="1600" dirty="0">
+                <a:solidFill>
+                  <a:schemeClr val="tx1"/>
+                </a:solidFill>
+                <a:latin typeface="微软雅黑" panose="020B0503020204020204" charset="-122"/>
+                <a:ea typeface="微软雅黑" panose="020B0503020204020204" charset="-122"/>
+              </a:rPr>
+              <a:t>解决原先</a:t>
+            </a:r>
+            <a:r>
+              <a:rPr lang="en-US" altLang="zh-CN" sz="1600" dirty="0">
+                <a:solidFill>
+                  <a:schemeClr val="tx1"/>
+                </a:solidFill>
+                <a:latin typeface="微软雅黑" panose="020B0503020204020204" charset="-122"/>
+                <a:ea typeface="微软雅黑" panose="020B0503020204020204" charset="-122"/>
+              </a:rPr>
+              <a:t>CNN</a:t>
+            </a:r>
+            <a:r>
+              <a:rPr lang="zh-CN" altLang="en-US" sz="1600" dirty="0">
+                <a:solidFill>
+                  <a:schemeClr val="tx1"/>
+                </a:solidFill>
+                <a:latin typeface="微软雅黑" panose="020B0503020204020204" charset="-122"/>
+                <a:ea typeface="微软雅黑" panose="020B0503020204020204" charset="-122"/>
+              </a:rPr>
+              <a:t>等具有太多针对视觉问题的先验知识（归纳偏</a:t>
+            </a:r>
+            <a:endParaRPr lang="zh-CN" altLang="en-US" sz="1600" dirty="0">
+              <a:solidFill>
+                <a:schemeClr val="tx1"/>
+              </a:solidFill>
+              <a:latin typeface="微软雅黑" panose="020B0503020204020204" charset="-122"/>
+              <a:ea typeface="微软雅黑" panose="020B0503020204020204" charset="-122"/>
+            </a:endParaRPr>
+          </a:p>
+          <a:p>
+            <a:pPr indent="457200"/>
+            <a:r>
+              <a:rPr lang="zh-CN" altLang="en-US" sz="1600" dirty="0">
+                <a:solidFill>
+                  <a:schemeClr val="tx1"/>
+                </a:solidFill>
+                <a:latin typeface="微软雅黑" panose="020B0503020204020204" charset="-122"/>
+                <a:ea typeface="微软雅黑" panose="020B0503020204020204" charset="-122"/>
+              </a:rPr>
+              <a:t> </a:t>
+            </a:r>
+            <a:r>
+              <a:rPr lang="en-US" altLang="zh-CN" sz="1600" dirty="0">
+                <a:solidFill>
+                  <a:schemeClr val="tx1"/>
+                </a:solidFill>
+                <a:latin typeface="微软雅黑" panose="020B0503020204020204" charset="-122"/>
+                <a:ea typeface="微软雅黑" panose="020B0503020204020204" charset="-122"/>
+              </a:rPr>
+              <a:t>  </a:t>
+            </a:r>
+            <a:r>
+              <a:rPr lang="zh-CN" altLang="en-US" sz="1600" dirty="0">
+                <a:solidFill>
+                  <a:schemeClr val="tx1"/>
+                </a:solidFill>
+                <a:latin typeface="微软雅黑" panose="020B0503020204020204" charset="-122"/>
+                <a:ea typeface="微软雅黑" panose="020B0503020204020204" charset="-122"/>
+              </a:rPr>
+              <a:t>置），这样无法实现把</a:t>
+            </a:r>
+            <a:r>
+              <a:rPr lang="en-US" altLang="zh-CN" sz="1600" dirty="0">
+                <a:solidFill>
+                  <a:schemeClr val="tx1"/>
+                </a:solidFill>
+                <a:latin typeface="微软雅黑" panose="020B0503020204020204" charset="-122"/>
+                <a:ea typeface="微软雅黑" panose="020B0503020204020204" charset="-122"/>
+              </a:rPr>
+              <a:t>cv</a:t>
+            </a:r>
+            <a:r>
+              <a:rPr lang="zh-CN" altLang="en-US" sz="1600" dirty="0">
+                <a:solidFill>
+                  <a:schemeClr val="tx1"/>
+                </a:solidFill>
+                <a:latin typeface="微软雅黑" panose="020B0503020204020204" charset="-122"/>
+                <a:ea typeface="微软雅黑" panose="020B0503020204020204" charset="-122"/>
+              </a:rPr>
+              <a:t>问题当做</a:t>
+            </a:r>
+            <a:r>
+              <a:rPr lang="en-US" altLang="zh-CN" sz="1600" dirty="0">
+                <a:solidFill>
+                  <a:schemeClr val="tx1"/>
+                </a:solidFill>
+                <a:latin typeface="微软雅黑" panose="020B0503020204020204" charset="-122"/>
+                <a:ea typeface="微软雅黑" panose="020B0503020204020204" charset="-122"/>
+              </a:rPr>
+              <a:t>nlp</a:t>
+            </a:r>
+            <a:r>
+              <a:rPr lang="zh-CN" altLang="en-US" sz="1600" dirty="0">
+                <a:solidFill>
+                  <a:schemeClr val="tx1"/>
+                </a:solidFill>
+                <a:latin typeface="微软雅黑" panose="020B0503020204020204" charset="-122"/>
+                <a:ea typeface="微软雅黑" panose="020B0503020204020204" charset="-122"/>
+              </a:rPr>
+              <a:t>问题来解决</a:t>
             </a:r>
             <a:endParaRPr lang="en-US" altLang="zh-CN" sz="1600" dirty="0">
               <a:solidFill>
@@ -5834,16 +6236,6 @@
           </a:bodyPr>
           <a:p>
             <a:pPr indent="457200"/>
-            <a:r>
-              <a:rPr lang="en-US" altLang="zh-CN" sz="1600" dirty="0">
-                <a:solidFill>
-                  <a:schemeClr val="tx1"/>
-                </a:solidFill>
-                <a:latin typeface="微软雅黑" panose="020B0503020204020204" charset="-122"/>
-                <a:ea typeface="微软雅黑" panose="020B0503020204020204" charset="-122"/>
-              </a:rPr>
-              <a:t>1.</a:t>
-            </a:r>
             <a:r>
               <a:rPr lang="zh-CN" altLang="en-US" sz="1600" dirty="0">
                 <a:solidFill>
@@ -6080,7 +6472,40 @@
                 <a:ea typeface="微软雅黑" panose="020B0503020204020204" charset="-122"/>
                 <a:sym typeface="+mn-ea"/>
               </a:rPr>
-              <a:t>Resnet in Resnet: Generalizing Residual Architectures</a:t>
+              <a:t>AN IMAGE IS WORTH 16X16 WORDS:</a:t>
+            </a:r>
+            <a:endParaRPr lang="en-US" altLang="zh-CN" dirty="0">
+              <a:effectLst/>
+              <a:latin typeface="微软雅黑" panose="020B0503020204020204" charset="-122"/>
+              <a:ea typeface="微软雅黑" panose="020B0503020204020204" charset="-122"/>
+              <a:sym typeface="+mn-ea"/>
+            </a:endParaRPr>
+          </a:p>
+          <a:p>
+            <a:pPr marL="0" marR="0" lvl="0" indent="0" algn="ctr" defTabSz="914400" rtl="0" eaLnBrk="1" fontAlgn="auto" latinLnBrk="0" hangingPunct="1">
+              <a:lnSpc>
+                <a:spcPct val="100000"/>
+              </a:lnSpc>
+              <a:spcBef>
+                <a:spcPts val="0"/>
+              </a:spcBef>
+              <a:spcAft>
+                <a:spcPts val="0"/>
+              </a:spcAft>
+              <a:buClrTx/>
+              <a:buSzTx/>
+              <a:buFontTx/>
+              <a:buNone/>
+              <a:defRPr/>
+            </a:pPr>
+            <a:r>
+              <a:rPr lang="en-US" altLang="zh-CN" dirty="0">
+                <a:effectLst/>
+                <a:latin typeface="微软雅黑" panose="020B0503020204020204" charset="-122"/>
+                <a:ea typeface="微软雅黑" panose="020B0503020204020204" charset="-122"/>
+                <a:sym typeface="+mn-ea"/>
+              </a:rPr>
+              <a:t>TRANSFORMERS FOR IMAGE RECOGNITION AT SCALE</a:t>
             </a:r>
             <a:endParaRPr lang="en-US" altLang="zh-CN" dirty="0">
               <a:effectLst/>
@@ -6098,8 +6523,8 @@
         </p:nvSpPr>
         <p:spPr>
           <a:xfrm>
-            <a:off x="815340" y="1235075"/>
-            <a:ext cx="5574030" cy="2306955"/>
+            <a:off x="632460" y="1000760"/>
+            <a:ext cx="5574030" cy="2061210"/>
           </a:xfrm>
           <a:prstGeom prst="rect">
             <a:avLst/>
@@ -6116,49 +6541,35 @@
                 <a:latin typeface="微软雅黑" panose="020B0503020204020204" charset="-122"/>
                 <a:ea typeface="微软雅黑" panose="020B0503020204020204" charset="-122"/>
               </a:rPr>
-              <a:t>相比与原先的</a:t>
+              <a:t>先把图打成</a:t>
+            </a:r>
+            <a:r>
+              <a:rPr lang="en-US" altLang="zh-CN" sz="1600" b="1" i="0" dirty="0">
+                <a:latin typeface="微软雅黑" panose="020B0503020204020204" charset="-122"/>
+                <a:ea typeface="微软雅黑" panose="020B0503020204020204" charset="-122"/>
+              </a:rPr>
+              <a:t>patch</a:t>
+            </a:r>
+            <a:r>
+              <a:rPr lang="zh-CN" altLang="en-US" sz="1600" b="0" i="0" dirty="0">
+                <a:latin typeface="微软雅黑" panose="020B0503020204020204" charset="-122"/>
+                <a:ea typeface="微软雅黑" panose="020B0503020204020204" charset="-122"/>
+              </a:rPr>
+              <a:t>，然后为了保存图片的顺序加上</a:t>
             </a:r>
             <a:r>
               <a:rPr lang="en-US" altLang="zh-CN" sz="1600" b="0" i="0" dirty="0">
                 <a:latin typeface="微软雅黑" panose="020B0503020204020204" charset="-122"/>
                 <a:ea typeface="微软雅黑" panose="020B0503020204020204" charset="-122"/>
               </a:rPr>
-              <a:t>ResNet</a:t>
+              <a:t>position embedding</a:t>
             </a:r>
             <a:r>
               <a:rPr lang="zh-CN" altLang="en-US" sz="1600" b="0" i="0" dirty="0">
                 <a:latin typeface="微软雅黑" panose="020B0503020204020204" charset="-122"/>
                 <a:ea typeface="微软雅黑" panose="020B0503020204020204" charset="-122"/>
               </a:rPr>
-              <a:t>网络来说，增加的广义残差块里面</a:t>
-            </a:r>
-            <a:r>
-              <a:rPr lang="en-US" altLang="zh-CN" sz="1600" b="0" i="0" dirty="0">
-                <a:latin typeface="微软雅黑" panose="020B0503020204020204" charset="-122"/>
-                <a:ea typeface="微软雅黑" panose="020B0503020204020204" charset="-122"/>
-              </a:rPr>
-              <a:t>r</a:t>
-            </a:r>
-            <a:r>
-              <a:rPr lang="zh-CN" altLang="en-US" sz="1600" b="0" i="0" dirty="0">
-                <a:latin typeface="微软雅黑" panose="020B0503020204020204" charset="-122"/>
-                <a:ea typeface="微软雅黑" panose="020B0503020204020204" charset="-122"/>
-              </a:rPr>
-              <a:t>流和</a:t>
-            </a:r>
-            <a:r>
-              <a:rPr lang="en-US" altLang="zh-CN" sz="1600" b="0" i="0" dirty="0">
-                <a:latin typeface="微软雅黑" panose="020B0503020204020204" charset="-122"/>
-                <a:ea typeface="微软雅黑" panose="020B0503020204020204" charset="-122"/>
-              </a:rPr>
-              <a:t>t</a:t>
-            </a:r>
-            <a:r>
-              <a:rPr lang="zh-CN" altLang="en-US" sz="1600" b="0" i="0" dirty="0">
-                <a:latin typeface="微软雅黑" panose="020B0503020204020204" charset="-122"/>
-                <a:ea typeface="微软雅黑" panose="020B0503020204020204" charset="-122"/>
-              </a:rPr>
-              <a:t>流。</a:t>
+              <a:t>之后通过线性层展平特征</a:t>
             </a:r>
             <a:endParaRPr lang="zh-CN" altLang="en-US" sz="1600" b="0" i="0" dirty="0">
               <a:latin typeface="微软雅黑" panose="020B0503020204020204" charset="-122"/>
@@ -6179,74 +6590,172 @@
                 <a:latin typeface="微软雅黑" panose="020B0503020204020204" charset="-122"/>
                 <a:ea typeface="微软雅黑" panose="020B0503020204020204" charset="-122"/>
               </a:rPr>
-              <a:t>其中</a:t>
+              <a:t>同时加入一个可学习的类别</a:t>
             </a:r>
             <a:r>
               <a:rPr lang="en-US" altLang="zh-CN" sz="1600" b="0" i="0" dirty="0">
                 <a:latin typeface="微软雅黑" panose="020B0503020204020204" charset="-122"/>
                 <a:ea typeface="微软雅黑" panose="020B0503020204020204" charset="-122"/>
               </a:rPr>
-              <a:t>r</a:t>
+              <a:t>embedding--</a:t>
+            </a:r>
+            <a:r>
+              <a:rPr lang="zh-CN" altLang="en-US" sz="1600" b="1" i="0" dirty="0">
+                <a:latin typeface="微软雅黑" panose="020B0503020204020204" charset="-122"/>
+                <a:ea typeface="微软雅黑" panose="020B0503020204020204" charset="-122"/>
+              </a:rPr>
+              <a:t>（</a:t>
+            </a:r>
+            <a:r>
+              <a:rPr lang="en-US" altLang="zh-CN" sz="1600" b="1" i="0" dirty="0">
+                <a:latin typeface="微软雅黑" panose="020B0503020204020204" charset="-122"/>
+                <a:ea typeface="微软雅黑" panose="020B0503020204020204" charset="-122"/>
+              </a:rPr>
+              <a:t>class</a:t>
+            </a:r>
+            <a:r>
+              <a:rPr lang="zh-CN" altLang="en-US" sz="1600" b="1" i="0" dirty="0">
+                <a:latin typeface="微软雅黑" panose="020B0503020204020204" charset="-122"/>
+                <a:ea typeface="微软雅黑" panose="020B0503020204020204" charset="-122"/>
+              </a:rPr>
+              <a:t>）</a:t>
+            </a:r>
+            <a:r>
+              <a:rPr lang="en-US" altLang="zh-CN" sz="1600" b="0" i="0" dirty="0">
+                <a:latin typeface="微软雅黑" panose="020B0503020204020204" charset="-122"/>
+                <a:ea typeface="微软雅黑" panose="020B0503020204020204" charset="-122"/>
+              </a:rPr>
+              <a:t> </a:t>
             </a:r>
             <a:r>
               <a:rPr lang="zh-CN" altLang="en-US" sz="1600" b="0" i="0" dirty="0">
                 <a:latin typeface="微软雅黑" panose="020B0503020204020204" charset="-122"/>
                 <a:ea typeface="微软雅黑" panose="020B0503020204020204" charset="-122"/>
               </a:rPr>
-              <a:t>流计算方式和普通的</a:t>
+              <a:t>位置编码为</a:t>
             </a:r>
             <a:r>
               <a:rPr lang="en-US" altLang="zh-CN" sz="1600" b="0" i="0" dirty="0">
                 <a:latin typeface="微软雅黑" panose="020B0503020204020204" charset="-122"/>
                 <a:ea typeface="微软雅黑" panose="020B0503020204020204" charset="-122"/>
               </a:rPr>
-              <a:t>ResNet</a:t>
+              <a:t>0</a:t>
             </a:r>
             <a:r>
               <a:rPr lang="zh-CN" altLang="en-US" sz="1600" b="0" i="0" dirty="0">
                 <a:latin typeface="微软雅黑" panose="020B0503020204020204" charset="-122"/>
                 <a:ea typeface="微软雅黑" panose="020B0503020204020204" charset="-122"/>
               </a:rPr>
-              <a:t>相似，能够传递下来早期训练的信息</a:t>
+              <a:t>一起输入给</a:t>
+            </a:r>
+            <a:r>
+              <a:rPr lang="en-US" altLang="zh-CN" sz="1600" b="0" i="0" dirty="0">
+                <a:latin typeface="微软雅黑" panose="020B0503020204020204" charset="-122"/>
+                <a:ea typeface="微软雅黑" panose="020B0503020204020204" charset="-122"/>
+              </a:rPr>
+              <a:t>encoder</a:t>
+            </a:r>
+            <a:endParaRPr lang="en-US" altLang="zh-CN" sz="1600" b="0" i="0" dirty="0">
+              <a:latin typeface="微软雅黑" panose="020B0503020204020204" charset="-122"/>
+              <a:ea typeface="微软雅黑" panose="020B0503020204020204" charset="-122"/>
+            </a:endParaRPr>
+          </a:p>
+          <a:p>
+            <a:pPr marL="0" indent="0"/>
+            <a:endParaRPr lang="en-US" altLang="zh-CN" sz="1600" b="0" i="0" dirty="0">
+              <a:latin typeface="微软雅黑" panose="020B0503020204020204" charset="-122"/>
+              <a:ea typeface="微软雅黑" panose="020B0503020204020204" charset="-122"/>
+            </a:endParaRPr>
+          </a:p>
+          <a:p>
+            <a:pPr marL="0" indent="0"/>
+            <a:r>
+              <a:rPr lang="zh-CN" altLang="en-US" sz="1600" b="0" i="0" dirty="0">
+                <a:latin typeface="微软雅黑" panose="020B0503020204020204" charset="-122"/>
+                <a:ea typeface="微软雅黑" panose="020B0503020204020204" charset="-122"/>
+              </a:rPr>
+              <a:t>在经过</a:t>
+            </a:r>
+            <a:r>
+              <a:rPr lang="en-US" altLang="zh-CN" sz="1600" b="0" i="0" dirty="0">
+                <a:latin typeface="微软雅黑" panose="020B0503020204020204" charset="-122"/>
+                <a:ea typeface="微软雅黑" panose="020B0503020204020204" charset="-122"/>
+              </a:rPr>
+              <a:t>L</a:t>
+            </a:r>
+            <a:r>
+              <a:rPr lang="zh-CN" altLang="en-US" sz="1600" b="0" i="0" dirty="0">
+                <a:latin typeface="微软雅黑" panose="020B0503020204020204" charset="-122"/>
+                <a:ea typeface="微软雅黑" panose="020B0503020204020204" charset="-122"/>
+              </a:rPr>
+              <a:t>层的</a:t>
+            </a:r>
+            <a:r>
+              <a:rPr lang="en-US" altLang="zh-CN" sz="1600" b="0" i="0" dirty="0">
+                <a:latin typeface="微软雅黑" panose="020B0503020204020204" charset="-122"/>
+                <a:ea typeface="微软雅黑" panose="020B0503020204020204" charset="-122"/>
+              </a:rPr>
+              <a:t>Transformer encoder</a:t>
+            </a:r>
+            <a:r>
+              <a:rPr lang="zh-CN" altLang="en-US" sz="1600" b="0" i="0" dirty="0">
+                <a:latin typeface="微软雅黑" panose="020B0503020204020204" charset="-122"/>
+                <a:ea typeface="微软雅黑" panose="020B0503020204020204" charset="-122"/>
+              </a:rPr>
+              <a:t>输入输出之后，</a:t>
+            </a:r>
+            <a:r>
+              <a:rPr lang="en-US" altLang="zh-CN" sz="1600" b="1" i="0" dirty="0">
+                <a:latin typeface="微软雅黑" panose="020B0503020204020204" charset="-122"/>
+                <a:ea typeface="微软雅黑" panose="020B0503020204020204" charset="-122"/>
+              </a:rPr>
+              <a:t>(class)</a:t>
+            </a:r>
+            <a:r>
+              <a:rPr lang="zh-CN" altLang="en-US" sz="1600" b="0" i="0" dirty="0">
+                <a:latin typeface="微软雅黑" panose="020B0503020204020204" charset="-122"/>
+                <a:ea typeface="微软雅黑" panose="020B0503020204020204" charset="-122"/>
+              </a:rPr>
+              <a:t>对应的输出在经过一个</a:t>
+            </a:r>
+            <a:r>
+              <a:rPr lang="en-US" altLang="zh-CN" sz="1600" b="0" i="0" dirty="0">
+                <a:latin typeface="微软雅黑" panose="020B0503020204020204" charset="-122"/>
+                <a:ea typeface="微软雅黑" panose="020B0503020204020204" charset="-122"/>
+              </a:rPr>
+              <a:t>tanh</a:t>
+            </a:r>
+            <a:r>
+              <a:rPr lang="zh-CN" altLang="en-US" sz="1600" b="0" i="0" dirty="0">
+                <a:latin typeface="微软雅黑" panose="020B0503020204020204" charset="-122"/>
+                <a:ea typeface="微软雅黑" panose="020B0503020204020204" charset="-122"/>
+              </a:rPr>
+              <a:t>激活的</a:t>
+            </a:r>
+            <a:r>
+              <a:rPr lang="en-US" altLang="zh-CN" sz="1600" b="0" i="0" dirty="0">
+                <a:latin typeface="微软雅黑" panose="020B0503020204020204" charset="-122"/>
+                <a:ea typeface="微软雅黑" panose="020B0503020204020204" charset="-122"/>
+              </a:rPr>
+              <a:t>MLP</a:t>
+            </a:r>
+            <a:r>
+              <a:rPr lang="zh-CN" altLang="en-US" sz="1600" b="0" i="0" dirty="0">
+                <a:latin typeface="微软雅黑" panose="020B0503020204020204" charset="-122"/>
+                <a:ea typeface="微软雅黑" panose="020B0503020204020204" charset="-122"/>
+              </a:rPr>
+              <a:t>之后输出结果</a:t>
             </a:r>
             <a:endParaRPr lang="zh-CN" altLang="en-US" sz="1600" b="0" i="0" dirty="0">
               <a:latin typeface="微软雅黑" panose="020B0503020204020204" charset="-122"/>
               <a:ea typeface="微软雅黑" panose="020B0503020204020204" charset="-122"/>
             </a:endParaRPr>
           </a:p>
-          <a:p>
-            <a:pPr marL="0" indent="0"/>
-            <a:endParaRPr lang="zh-CN" altLang="en-US" sz="1600" b="0" i="0" dirty="0">
-              <a:latin typeface="微软雅黑" panose="020B0503020204020204" charset="-122"/>
-              <a:ea typeface="微软雅黑" panose="020B0503020204020204" charset="-122"/>
-            </a:endParaRPr>
-          </a:p>
-          <a:p>
-            <a:pPr marL="0" indent="0"/>
-            <a:r>
-              <a:rPr lang="zh-CN" altLang="en-US" sz="1600" b="0" i="0" dirty="0">
-                <a:latin typeface="微软雅黑" panose="020B0503020204020204" charset="-122"/>
-                <a:ea typeface="微软雅黑" panose="020B0503020204020204" charset="-122"/>
-              </a:rPr>
-              <a:t>而瞬态流t增加了以非线性方式处理任意一个流的信息的能力，没有快捷连接，允许丢弃来自较早状态的信息。</a:t>
-            </a:r>
-            <a:endParaRPr lang="zh-CN" altLang="en-US" sz="1600" b="0" i="0" dirty="0">
-              <a:latin typeface="微软雅黑" panose="020B0503020204020204" charset="-122"/>
-              <a:ea typeface="微软雅黑" panose="020B0503020204020204" charset="-122"/>
-            </a:endParaRPr>
-          </a:p>
-          <a:p>
-            <a:pPr marL="0" indent="0"/>
-            <a:endParaRPr lang="zh-CN" altLang="en-US" sz="1600" b="0" i="0" dirty="0">
-              <a:latin typeface="微软雅黑" panose="020B0503020204020204" charset="-122"/>
-              <a:ea typeface="微软雅黑" panose="020B0503020204020204" charset="-122"/>
-            </a:endParaRPr>
-          </a:p>
         </p:txBody>
       </p:sp>
       <p:pic>
         <p:nvPicPr>
-          <p:cNvPr id="2" name="图片 1"/>
+          <p:cNvPr id="5" name="图片 4"/>
           <p:cNvPicPr>
             <a:picLocks noChangeAspect="1"/>
           </p:cNvPicPr>
@@ -6260,33 +6769,8 @@
         </p:blipFill>
         <p:spPr>
           <a:xfrm>
-            <a:off x="8349615" y="4930140"/>
-            <a:ext cx="1911350" cy="1473200"/>
-          </a:xfrm>
-          <a:prstGeom prst="rect">
-            <a:avLst/>
-          </a:prstGeom>
-        </p:spPr>
-      </p:pic>
-      <p:pic>
-        <p:nvPicPr>
-          <p:cNvPr id="4" name="图片 3"/>
-          <p:cNvPicPr>
-            <a:picLocks noChangeAspect="1"/>
-          </p:cNvPicPr>
-          <p:nvPr/>
-        </p:nvPicPr>
-        <p:blipFill>
-          <a:blip r:embed="rId3"/>
-          <a:srcRect b="17015"/>
-          <a:stretch>
-            <a:fillRect/>
-          </a:stretch>
-        </p:blipFill>
-        <p:spPr>
-          <a:xfrm>
-            <a:off x="7133590" y="763905"/>
-            <a:ext cx="4343400" cy="3230245"/>
+            <a:off x="6097905" y="601980"/>
+            <a:ext cx="6094095" cy="3276600"/>
           </a:xfrm>
           <a:prstGeom prst="rect">
             <a:avLst/>
@@ -6295,19 +6779,19 @@
       </p:pic>
       <p:cxnSp>
         <p:nvCxnSpPr>
-          <p:cNvPr id="7" name="直接箭头连接符 6"/>
-          <p:cNvCxnSpPr>
-            <a:stCxn id="2" idx="0"/>
-          </p:cNvCxnSpPr>
+          <p:cNvPr id="10" name="肘形连接符 9"/>
+          <p:cNvCxnSpPr/>
           <p:nvPr/>
         </p:nvCxnSpPr>
         <p:spPr>
-          <a:xfrm flipH="1" flipV="1">
-            <a:off x="9298305" y="4057650"/>
-            <a:ext cx="6985" cy="872490"/>
+          <a:xfrm flipV="1">
+            <a:off x="9173845" y="1109980"/>
+            <a:ext cx="1587500" cy="673100"/>
           </a:xfrm>
-          <a:prstGeom prst="straightConnector1">
-            <a:avLst/>
+          <a:prstGeom prst="bentConnector3">
+            <a:avLst>
+              <a:gd name="adj1" fmla="val 50040"/>
+            </a:avLst>
           </a:prstGeom>
           <a:ln>
             <a:tailEnd type="arrow"/>
@@ -6328,6 +6812,359 @@
           </a:fontRef>
         </p:style>
       </p:cxnSp>
+    </p:spTree>
+  </p:cSld>
+  <p:clrMapOvr>
+    <a:masterClrMapping/>
+  </p:clrMapOvr>
+</p:sld>
+</file>
+
+<file path=ppt/slides/slide6.xml><?xml version="1.0" encoding="utf-8"?>
+<p:sld xmlns:a="http://schemas.openxmlformats.org/drawingml/2006/main" xmlns:r="http://schemas.openxmlformats.org/officeDocument/2006/relationships" xmlns:p="http://schemas.openxmlformats.org/presentationml/2006/main">
+  <p:cSld>
+    <p:spTree>
+      <p:nvGrpSpPr>
+        <p:cNvPr id="1" name=""/>
+        <p:cNvGrpSpPr/>
+        <p:nvPr/>
+      </p:nvGrpSpPr>
+      <p:grpSpPr>
+        <a:xfrm>
+          <a:off x="0" y="0"/>
+          <a:ext cx="0" cy="0"/>
+          <a:chOff x="0" y="0"/>
+          <a:chExt cx="0" cy="0"/>
+        </a:xfrm>
+      </p:grpSpPr>
+      <p:sp>
+        <p:nvSpPr>
+          <p:cNvPr id="13" name="文本框 12"/>
+          <p:cNvSpPr txBox="1"/>
+          <p:nvPr/>
+        </p:nvSpPr>
+        <p:spPr>
+          <a:xfrm>
+            <a:off x="106466" y="601786"/>
+            <a:ext cx="1541780" cy="398780"/>
+          </a:xfrm>
+          <a:prstGeom prst="rect">
+            <a:avLst/>
+          </a:prstGeom>
+          <a:noFill/>
+        </p:spPr>
+        <p:txBody>
+          <a:bodyPr wrap="none" rtlCol="0">
+            <a:spAutoFit/>
+          </a:bodyPr>
+          <a:lstStyle/>
+          <a:p>
+            <a:pPr marL="342900" indent="-342900">
+              <a:buFont typeface="Wingdings" panose="05000000000000000000" charset="0"/>
+              <a:buChar char="n"/>
+            </a:pPr>
+            <a:r>
+              <a:rPr lang="zh-CN" altLang="en-US" sz="2000" b="1" dirty="0">
+                <a:latin typeface="微软雅黑" panose="020B0503020204020204" charset="-122"/>
+                <a:ea typeface="微软雅黑" panose="020B0503020204020204" charset="-122"/>
+              </a:rPr>
+              <a:t>模型</a:t>
+            </a:r>
+            <a:r>
+              <a:rPr lang="zh-CN" altLang="en-US" sz="2000" b="1" dirty="0">
+                <a:latin typeface="微软雅黑" panose="020B0503020204020204" charset="-122"/>
+                <a:ea typeface="微软雅黑" panose="020B0503020204020204" charset="-122"/>
+              </a:rPr>
+              <a:t>架构</a:t>
+            </a:r>
+            <a:endParaRPr lang="zh-CN" altLang="en-US" sz="2000" b="1" dirty="0">
+              <a:latin typeface="微软雅黑" panose="020B0503020204020204" charset="-122"/>
+              <a:ea typeface="微软雅黑" panose="020B0503020204020204" charset="-122"/>
+            </a:endParaRPr>
+          </a:p>
+        </p:txBody>
+      </p:sp>
+      <p:sp>
+        <p:nvSpPr>
+          <p:cNvPr id="6" name="矩形 5"/>
+          <p:cNvSpPr/>
+          <p:nvPr>
+            <p:custDataLst>
+              <p:tags r:id="rId1"/>
+            </p:custDataLst>
+          </p:nvPr>
+        </p:nvSpPr>
+        <p:spPr>
+          <a:xfrm>
+            <a:off x="-6350" y="0"/>
+            <a:ext cx="12198350" cy="540000"/>
+          </a:xfrm>
+          <a:prstGeom prst="rect">
+            <a:avLst/>
+          </a:prstGeom>
+          <a:solidFill>
+            <a:srgbClr val="A099CB"/>
+          </a:solidFill>
+          <a:ln>
+            <a:noFill/>
+          </a:ln>
+        </p:spPr>
+        <p:style>
+          <a:lnRef idx="2">
+            <a:schemeClr val="accent1">
+              <a:shade val="50000"/>
+            </a:schemeClr>
+          </a:lnRef>
+          <a:fillRef idx="1">
+            <a:schemeClr val="accent1"/>
+          </a:fillRef>
+          <a:effectRef idx="0">
+            <a:schemeClr val="accent1"/>
+          </a:effectRef>
+          <a:fontRef idx="minor">
+            <a:schemeClr val="lt1"/>
+          </a:fontRef>
+        </p:style>
+        <p:txBody>
+          <a:bodyPr rtlCol="0" anchor="ctr"/>
+          <a:p>
+            <a:pPr marL="0" marR="0" lvl="0" indent="0" algn="ctr" defTabSz="914400" rtl="0" eaLnBrk="1" fontAlgn="auto" latinLnBrk="0" hangingPunct="1">
+              <a:lnSpc>
+                <a:spcPct val="100000"/>
+              </a:lnSpc>
+              <a:spcBef>
+                <a:spcPts val="0"/>
+              </a:spcBef>
+              <a:spcAft>
+                <a:spcPts val="0"/>
+              </a:spcAft>
+              <a:buClrTx/>
+              <a:buSzTx/>
+              <a:buFontTx/>
+              <a:buNone/>
+              <a:defRPr/>
+            </a:pPr>
+            <a:r>
+              <a:rPr lang="en-US" altLang="zh-CN" dirty="0">
+                <a:effectLst/>
+                <a:latin typeface="微软雅黑" panose="020B0503020204020204" charset="-122"/>
+                <a:ea typeface="微软雅黑" panose="020B0503020204020204" charset="-122"/>
+                <a:sym typeface="+mn-ea"/>
+              </a:rPr>
+              <a:t>1.</a:t>
+            </a:r>
+            <a:r>
+              <a:rPr lang="en-US" altLang="zh-CN" dirty="0">
+                <a:effectLst/>
+                <a:latin typeface="微软雅黑" panose="020B0503020204020204" charset="-122"/>
+                <a:ea typeface="微软雅黑" panose="020B0503020204020204" charset="-122"/>
+                <a:sym typeface="+mn-ea"/>
+              </a:rPr>
+              <a:t>AN IMAGE IS WORTH 16X16 WORDS:</a:t>
+            </a:r>
+            <a:endParaRPr lang="en-US" altLang="zh-CN" dirty="0">
+              <a:effectLst/>
+              <a:latin typeface="微软雅黑" panose="020B0503020204020204" charset="-122"/>
+              <a:ea typeface="微软雅黑" panose="020B0503020204020204" charset="-122"/>
+              <a:sym typeface="+mn-ea"/>
+            </a:endParaRPr>
+          </a:p>
+          <a:p>
+            <a:pPr marL="0" marR="0" lvl="0" indent="0" algn="ctr" defTabSz="914400" rtl="0" eaLnBrk="1" fontAlgn="auto" latinLnBrk="0" hangingPunct="1">
+              <a:lnSpc>
+                <a:spcPct val="100000"/>
+              </a:lnSpc>
+              <a:spcBef>
+                <a:spcPts val="0"/>
+              </a:spcBef>
+              <a:spcAft>
+                <a:spcPts val="0"/>
+              </a:spcAft>
+              <a:buClrTx/>
+              <a:buSzTx/>
+              <a:buFontTx/>
+              <a:buNone/>
+              <a:defRPr/>
+            </a:pPr>
+            <a:r>
+              <a:rPr lang="en-US" altLang="zh-CN" dirty="0">
+                <a:effectLst/>
+                <a:latin typeface="微软雅黑" panose="020B0503020204020204" charset="-122"/>
+                <a:ea typeface="微软雅黑" panose="020B0503020204020204" charset="-122"/>
+                <a:sym typeface="+mn-ea"/>
+              </a:rPr>
+              <a:t>TRANSFORMERS FOR IMAGE RECOGNITION AT SCALE</a:t>
+            </a:r>
+            <a:endParaRPr lang="en-US" altLang="zh-CN" dirty="0">
+              <a:effectLst/>
+              <a:latin typeface="微软雅黑" panose="020B0503020204020204" charset="-122"/>
+              <a:ea typeface="微软雅黑" panose="020B0503020204020204" charset="-122"/>
+            </a:endParaRPr>
+          </a:p>
+        </p:txBody>
+      </p:sp>
+      <p:pic>
+        <p:nvPicPr>
+          <p:cNvPr id="2" name="图片 1"/>
+          <p:cNvPicPr>
+            <a:picLocks noChangeAspect="1"/>
+          </p:cNvPicPr>
+          <p:nvPr/>
+        </p:nvPicPr>
+        <p:blipFill>
+          <a:blip r:embed="rId2"/>
+          <a:srcRect b="70171"/>
+          <a:stretch>
+            <a:fillRect/>
+          </a:stretch>
+        </p:blipFill>
+        <p:spPr>
+          <a:xfrm>
+            <a:off x="1221740" y="1062990"/>
+            <a:ext cx="9554845" cy="520700"/>
+          </a:xfrm>
+          <a:prstGeom prst="rect">
+            <a:avLst/>
+          </a:prstGeom>
+        </p:spPr>
+      </p:pic>
+      <p:sp>
+        <p:nvSpPr>
+          <p:cNvPr id="3" name="文本框 2"/>
+          <p:cNvSpPr txBox="1"/>
+          <p:nvPr/>
+        </p:nvSpPr>
+        <p:spPr>
+          <a:xfrm>
+            <a:off x="3877945" y="1645920"/>
+            <a:ext cx="4627880" cy="645160"/>
+          </a:xfrm>
+          <a:prstGeom prst="rect">
+            <a:avLst/>
+          </a:prstGeom>
+        </p:spPr>
+        <p:txBody>
+          <a:bodyPr wrap="square">
+            <a:noAutofit/>
+          </a:bodyPr>
+          <a:p>
+            <a:pPr marL="0" indent="0" algn="ctr"/>
+            <a:r>
+              <a:rPr lang="zh-CN" altLang="en-US" sz="1600" b="0" i="0" dirty="0">
+                <a:latin typeface="微软雅黑" panose="020B0503020204020204" charset="-122"/>
+                <a:ea typeface="微软雅黑" panose="020B0503020204020204" charset="-122"/>
+              </a:rPr>
+              <a:t>加上</a:t>
+            </a:r>
+            <a:r>
+              <a:rPr lang="en-US" altLang="zh-CN" sz="1600" b="1" i="0" dirty="0">
+                <a:latin typeface="微软雅黑" panose="020B0503020204020204" charset="-122"/>
+                <a:ea typeface="微软雅黑" panose="020B0503020204020204" charset="-122"/>
+              </a:rPr>
+              <a:t>class</a:t>
+            </a:r>
+            <a:r>
+              <a:rPr lang="zh-CN" altLang="en-US" sz="1600" i="0" dirty="0">
+                <a:latin typeface="微软雅黑" panose="020B0503020204020204" charset="-122"/>
+                <a:ea typeface="微软雅黑" panose="020B0503020204020204" charset="-122"/>
+              </a:rPr>
+              <a:t>，其他的每个</a:t>
+            </a:r>
+            <a:r>
+              <a:rPr lang="en-US" altLang="zh-CN" sz="1600" i="0" dirty="0">
+                <a:latin typeface="微软雅黑" panose="020B0503020204020204" charset="-122"/>
+                <a:ea typeface="微软雅黑" panose="020B0503020204020204" charset="-122"/>
+              </a:rPr>
+              <a:t>patch</a:t>
+            </a:r>
+            <a:r>
+              <a:rPr lang="zh-CN" altLang="en-US" sz="1600" i="0" dirty="0">
+                <a:latin typeface="微软雅黑" panose="020B0503020204020204" charset="-122"/>
+                <a:ea typeface="微软雅黑" panose="020B0503020204020204" charset="-122"/>
+              </a:rPr>
+              <a:t>在经过线性层后的内容加上位置编码作为输入</a:t>
+            </a:r>
+            <a:endParaRPr lang="zh-CN" altLang="en-US" sz="1600" i="0" dirty="0">
+              <a:latin typeface="微软雅黑" panose="020B0503020204020204" charset="-122"/>
+              <a:ea typeface="微软雅黑" panose="020B0503020204020204" charset="-122"/>
+            </a:endParaRPr>
+          </a:p>
+        </p:txBody>
+      </p:sp>
+      <p:pic>
+        <p:nvPicPr>
+          <p:cNvPr id="4" name="图片 3"/>
+          <p:cNvPicPr>
+            <a:picLocks noChangeAspect="1"/>
+          </p:cNvPicPr>
+          <p:nvPr/>
+        </p:nvPicPr>
+        <p:blipFill>
+          <a:blip r:embed="rId2"/>
+          <a:srcRect t="28556" b="48163"/>
+          <a:stretch>
+            <a:fillRect/>
+          </a:stretch>
+        </p:blipFill>
+        <p:spPr>
+          <a:xfrm>
+            <a:off x="1221740" y="2188210"/>
+            <a:ext cx="9554845" cy="406400"/>
+          </a:xfrm>
+          <a:prstGeom prst="rect">
+            <a:avLst/>
+          </a:prstGeom>
+        </p:spPr>
+      </p:pic>
+      <p:sp>
+        <p:nvSpPr>
+          <p:cNvPr id="7" name="文本框 6"/>
+          <p:cNvSpPr txBox="1"/>
+          <p:nvPr/>
+        </p:nvSpPr>
+        <p:spPr>
+          <a:xfrm>
+            <a:off x="3877945" y="2594610"/>
+            <a:ext cx="4627880" cy="645160"/>
+          </a:xfrm>
+          <a:prstGeom prst="rect">
+            <a:avLst/>
+          </a:prstGeom>
+        </p:spPr>
+        <p:txBody>
+          <a:bodyPr wrap="square">
+            <a:noAutofit/>
+          </a:bodyPr>
+          <a:p>
+            <a:pPr marL="0" indent="0" algn="ctr"/>
+            <a:r>
+              <a:rPr lang="zh-CN" altLang="en-US" sz="1600" i="0" dirty="0">
+                <a:latin typeface="微软雅黑" panose="020B0503020204020204" charset="-122"/>
+                <a:ea typeface="微软雅黑" panose="020B0503020204020204" charset="-122"/>
+              </a:rPr>
+              <a:t>在经过</a:t>
+            </a:r>
+            <a:r>
+              <a:rPr lang="en-US" altLang="zh-CN" sz="1600" i="0" dirty="0">
+                <a:latin typeface="微软雅黑" panose="020B0503020204020204" charset="-122"/>
+                <a:ea typeface="微软雅黑" panose="020B0503020204020204" charset="-122"/>
+              </a:rPr>
+              <a:t>layer norm</a:t>
+            </a:r>
+            <a:r>
+              <a:rPr lang="zh-CN" altLang="en-US" sz="1600" i="0" dirty="0">
+                <a:latin typeface="微软雅黑" panose="020B0503020204020204" charset="-122"/>
+                <a:ea typeface="微软雅黑" panose="020B0503020204020204" charset="-122"/>
+              </a:rPr>
+              <a:t>的输入后执行多头注意力机制。并且隔层加上残差链接</a:t>
+            </a:r>
+            <a:endParaRPr lang="zh-CN" altLang="en-US" sz="1600" i="0" dirty="0">
+              <a:latin typeface="微软雅黑" panose="020B0503020204020204" charset="-122"/>
+              <a:ea typeface="微软雅黑" panose="020B0503020204020204" charset="-122"/>
+            </a:endParaRPr>
+          </a:p>
+        </p:txBody>
+      </p:sp>
       <p:pic>
         <p:nvPicPr>
           <p:cNvPr id="8" name="图片 7"/>
@@ -6337,15 +7174,16 @@
           <p:nvPr/>
         </p:nvPicPr>
         <p:blipFill>
-          <a:blip r:embed="rId4"/>
+          <a:blip r:embed="rId2"/>
+          <a:srcRect l="3" t="48454" r="-3" b="28265"/>
           <a:stretch>
             <a:fillRect/>
           </a:stretch>
         </p:blipFill>
         <p:spPr>
           <a:xfrm>
-            <a:off x="815340" y="3776345"/>
-            <a:ext cx="4006850" cy="539750"/>
+            <a:off x="1414780" y="3199130"/>
+            <a:ext cx="9554845" cy="406400"/>
           </a:xfrm>
           <a:prstGeom prst="rect">
             <a:avLst/>
@@ -6354,14 +7192,14 @@
       </p:pic>
       <p:sp>
         <p:nvSpPr>
-          <p:cNvPr id="9" name="文本框 8"/>
+          <p:cNvPr id="11" name="文本框 10"/>
           <p:cNvSpPr txBox="1"/>
           <p:nvPr/>
         </p:nvSpPr>
         <p:spPr>
           <a:xfrm>
-            <a:off x="815340" y="4930140"/>
-            <a:ext cx="6951345" cy="829945"/>
+            <a:off x="4004945" y="3605530"/>
+            <a:ext cx="4627880" cy="645160"/>
           </a:xfrm>
           <a:prstGeom prst="rect">
             <a:avLst/>
@@ -6369,24 +7207,196 @@
         </p:spPr>
         <p:txBody>
           <a:bodyPr wrap="square">
-            <a:spAutoFit/>
+            <a:noAutofit/>
           </a:bodyPr>
           <a:p>
-            <a:pPr marL="0" indent="0" algn="just"/>
-            <a:r>
-              <a:rPr lang="zh-CN" altLang="en-US" sz="1600" b="0" i="0" dirty="0">
-                <a:latin typeface="微软雅黑" panose="020B0503020204020204" charset="-122"/>
-                <a:ea typeface="微软雅黑" panose="020B0503020204020204" charset="-122"/>
-              </a:rPr>
-              <a:t>广义残差块既可以作为标准CNN层(通过学习残差流归零)，也可以作为单层ResNet块(通过学习瞬态流归零)。通过多次重复广义残差块，广义残差架构具有学习介于两者之间的任何东西的表达能力</a:t>
-            </a:r>
-            <a:endParaRPr lang="zh-CN" altLang="en-US" sz="1600" b="0" i="0" dirty="0">
+            <a:pPr marL="0" indent="0" algn="ctr"/>
+            <a:r>
+              <a:rPr lang="zh-CN" altLang="en-US" sz="1600" i="0" dirty="0">
+                <a:latin typeface="微软雅黑" panose="020B0503020204020204" charset="-122"/>
+                <a:ea typeface="微软雅黑" panose="020B0503020204020204" charset="-122"/>
+              </a:rPr>
+              <a:t>在经过</a:t>
+            </a:r>
+            <a:r>
+              <a:rPr lang="en-US" altLang="zh-CN" sz="1600" i="0" dirty="0">
+                <a:latin typeface="微软雅黑" panose="020B0503020204020204" charset="-122"/>
+                <a:ea typeface="微软雅黑" panose="020B0503020204020204" charset="-122"/>
+              </a:rPr>
+              <a:t>layer norm</a:t>
+            </a:r>
+            <a:r>
+              <a:rPr lang="zh-CN" altLang="en-US" sz="1600" i="0" dirty="0">
+                <a:latin typeface="微软雅黑" panose="020B0503020204020204" charset="-122"/>
+                <a:ea typeface="微软雅黑" panose="020B0503020204020204" charset="-122"/>
+              </a:rPr>
+              <a:t>后经过一个</a:t>
+            </a:r>
+            <a:r>
+              <a:rPr lang="en-US" altLang="zh-CN" sz="1600" i="0" dirty="0">
+                <a:latin typeface="微软雅黑" panose="020B0503020204020204" charset="-122"/>
+                <a:ea typeface="微软雅黑" panose="020B0503020204020204" charset="-122"/>
+              </a:rPr>
+              <a:t>tanh</a:t>
+            </a:r>
+            <a:r>
+              <a:rPr lang="zh-CN" altLang="en-US" sz="1600" i="0" dirty="0">
+                <a:latin typeface="微软雅黑" panose="020B0503020204020204" charset="-122"/>
+                <a:ea typeface="微软雅黑" panose="020B0503020204020204" charset="-122"/>
+              </a:rPr>
+              <a:t>作激活的</a:t>
+            </a:r>
+            <a:r>
+              <a:rPr lang="en-US" altLang="zh-CN" sz="1600" i="0" dirty="0">
+                <a:latin typeface="微软雅黑" panose="020B0503020204020204" charset="-122"/>
+                <a:ea typeface="微软雅黑" panose="020B0503020204020204" charset="-122"/>
+              </a:rPr>
+              <a:t>MLP</a:t>
+            </a:r>
+            <a:r>
+              <a:rPr lang="zh-CN" altLang="en-US" sz="1600" i="0" dirty="0">
+                <a:latin typeface="微软雅黑" panose="020B0503020204020204" charset="-122"/>
+                <a:ea typeface="微软雅黑" panose="020B0503020204020204" charset="-122"/>
+              </a:rPr>
+              <a:t>之后作为本层</a:t>
+            </a:r>
+            <a:r>
+              <a:rPr lang="en-US" altLang="zh-CN" sz="1600" i="0" dirty="0">
+                <a:latin typeface="微软雅黑" panose="020B0503020204020204" charset="-122"/>
+                <a:ea typeface="微软雅黑" panose="020B0503020204020204" charset="-122"/>
+              </a:rPr>
+              <a:t>Transformer</a:t>
+            </a:r>
+            <a:r>
+              <a:rPr lang="zh-CN" altLang="en-US" sz="1600" i="0" dirty="0">
+                <a:latin typeface="微软雅黑" panose="020B0503020204020204" charset="-122"/>
+                <a:ea typeface="微软雅黑" panose="020B0503020204020204" charset="-122"/>
+              </a:rPr>
+              <a:t>输出结果</a:t>
+            </a:r>
+            <a:endParaRPr lang="zh-CN" altLang="en-US" sz="1600" i="0" dirty="0">
               <a:latin typeface="微软雅黑" panose="020B0503020204020204" charset="-122"/>
               <a:ea typeface="微软雅黑" panose="020B0503020204020204" charset="-122"/>
             </a:endParaRPr>
           </a:p>
         </p:txBody>
       </p:sp>
+      <p:pic>
+        <p:nvPicPr>
+          <p:cNvPr id="12" name="图片 11"/>
+          <p:cNvPicPr>
+            <a:picLocks noChangeAspect="1"/>
+          </p:cNvPicPr>
+          <p:nvPr/>
+        </p:nvPicPr>
+        <p:blipFill>
+          <a:blip r:embed="rId2"/>
+          <a:srcRect l="3" t="71735" r="-3" b="4984"/>
+          <a:stretch>
+            <a:fillRect/>
+          </a:stretch>
+        </p:blipFill>
+        <p:spPr>
+          <a:xfrm>
+            <a:off x="1414780" y="4210050"/>
+            <a:ext cx="9554845" cy="406400"/>
+          </a:xfrm>
+          <a:prstGeom prst="rect">
+            <a:avLst/>
+          </a:prstGeom>
+        </p:spPr>
+      </p:pic>
+      <p:sp>
+        <p:nvSpPr>
+          <p:cNvPr id="14" name="文本框 13"/>
+          <p:cNvSpPr txBox="1"/>
+          <p:nvPr/>
+        </p:nvSpPr>
+        <p:spPr>
+          <a:xfrm>
+            <a:off x="4131945" y="4616450"/>
+            <a:ext cx="4627880" cy="645160"/>
+          </a:xfrm>
+          <a:prstGeom prst="rect">
+            <a:avLst/>
+          </a:prstGeom>
+        </p:spPr>
+        <p:txBody>
+          <a:bodyPr wrap="square">
+            <a:noAutofit/>
+          </a:bodyPr>
+          <a:p>
+            <a:pPr marL="0" indent="0" algn="ctr"/>
+            <a:r>
+              <a:rPr lang="zh-CN" altLang="en-US" sz="1600" i="0" dirty="0">
+                <a:latin typeface="微软雅黑" panose="020B0503020204020204" charset="-122"/>
+                <a:ea typeface="微软雅黑" panose="020B0503020204020204" charset="-122"/>
+              </a:rPr>
+              <a:t>循环经过</a:t>
+            </a:r>
+            <a:r>
+              <a:rPr lang="en-US" altLang="zh-CN" sz="1600" i="0" dirty="0">
+                <a:latin typeface="微软雅黑" panose="020B0503020204020204" charset="-122"/>
+                <a:ea typeface="微软雅黑" panose="020B0503020204020204" charset="-122"/>
+              </a:rPr>
+              <a:t>L</a:t>
+            </a:r>
+            <a:r>
+              <a:rPr lang="zh-CN" altLang="en-US" sz="1600" i="0" dirty="0">
+                <a:latin typeface="微软雅黑" panose="020B0503020204020204" charset="-122"/>
+                <a:ea typeface="微软雅黑" panose="020B0503020204020204" charset="-122"/>
+              </a:rPr>
+              <a:t>层之后，把第一个输出作为分类输出。也就是对应一开始输入的</a:t>
+            </a:r>
+            <a:r>
+              <a:rPr lang="en-US" altLang="zh-CN" sz="1600" b="1" i="0" dirty="0">
+                <a:latin typeface="微软雅黑" panose="020B0503020204020204" charset="-122"/>
+                <a:ea typeface="微软雅黑" panose="020B0503020204020204" charset="-122"/>
+              </a:rPr>
+              <a:t>class</a:t>
+            </a:r>
+            <a:endParaRPr lang="en-US" altLang="zh-CN" sz="1600" b="1" i="0" dirty="0">
+              <a:latin typeface="微软雅黑" panose="020B0503020204020204" charset="-122"/>
+              <a:ea typeface="微软雅黑" panose="020B0503020204020204" charset="-122"/>
+            </a:endParaRPr>
+          </a:p>
+        </p:txBody>
+      </p:sp>
+      <p:cxnSp>
+        <p:nvCxnSpPr>
+          <p:cNvPr id="16" name="肘形连接符 15"/>
+          <p:cNvCxnSpPr/>
+          <p:nvPr/>
+        </p:nvCxnSpPr>
+        <p:spPr>
+          <a:xfrm rot="10800000">
+            <a:off x="2437765" y="1571625"/>
+            <a:ext cx="4958080" cy="3634740"/>
+          </a:xfrm>
+          <a:prstGeom prst="bentConnector3">
+            <a:avLst>
+              <a:gd name="adj1" fmla="val 133132"/>
+            </a:avLst>
+          </a:prstGeom>
+          <a:ln>
+            <a:tailEnd type="arrow"/>
+          </a:ln>
+        </p:spPr>
+        <p:style>
+          <a:lnRef idx="2">
+            <a:schemeClr val="accent1"/>
+          </a:lnRef>
+          <a:fillRef idx="0">
+            <a:srgbClr val="FFFFFF"/>
+          </a:fillRef>
+          <a:effectRef idx="0">
+            <a:srgbClr val="FFFFFF"/>
+          </a:effectRef>
+          <a:fontRef idx="minor">
+            <a:schemeClr val="tx1"/>
+          </a:fontRef>
+        </p:style>
+      </p:cxnSp>
     </p:spTree>
   </p:cSld>
   <p:clrMapOvr>
@@ -6395,7 +7405,7 @@
 </p:sld>
 </file>
 
-<file path=ppt/slides/slide6.xml><?xml version="1.0" encoding="utf-8"?>
+<file path=ppt/slides/slide7.xml><?xml version="1.0" encoding="utf-8"?>
 <p:sld xmlns:a="http://schemas.openxmlformats.org/drawingml/2006/main" xmlns:r="http://schemas.openxmlformats.org/officeDocument/2006/relationships" xmlns:p="http://schemas.openxmlformats.org/presentationml/2006/main">
   <p:cSld>
     <p:spTree>
@@ -6702,7 +7712,7 @@
 </p:sld>
 </file>
 
-<file path=ppt/slides/slide7.xml><?xml version="1.0" encoding="utf-8"?>
+<file path=ppt/slides/slide8.xml><?xml version="1.0" encoding="utf-8"?>
 <p:sld xmlns:a="http://schemas.openxmlformats.org/drawingml/2006/main" xmlns:r="http://schemas.openxmlformats.org/officeDocument/2006/relationships" xmlns:p="http://schemas.openxmlformats.org/presentationml/2006/main">
   <p:cSld>
     <p:spTree>
@@ -6840,7 +7850,7 @@
 </p:sld>
 </file>
 
-<file path=ppt/slides/slide8.xml><?xml version="1.0" encoding="utf-8"?>
+<file path=ppt/slides/slide9.xml><?xml version="1.0" encoding="utf-8"?>
 <p:sld xmlns:a="http://schemas.openxmlformats.org/drawingml/2006/main" xmlns:r="http://schemas.openxmlformats.org/officeDocument/2006/relationships" xmlns:p="http://schemas.openxmlformats.org/presentationml/2006/main">
   <p:cSld>
     <p:spTree>
@@ -7262,199 +8272,6 @@
               </a:solidFill>
               <a:latin typeface="微软雅黑" panose="020B0503020204020204" charset="-122"/>
               <a:ea typeface="微软雅黑" panose="020B0503020204020204" charset="-122"/>
-            </a:endParaRPr>
-          </a:p>
-        </p:txBody>
-      </p:sp>
-    </p:spTree>
-  </p:cSld>
-  <p:clrMapOvr>
-    <a:masterClrMapping/>
-  </p:clrMapOvr>
-</p:sld>
-</file>
-
-<file path=ppt/slides/slide9.xml><?xml version="1.0" encoding="utf-8"?>
-<p:sld xmlns:a="http://schemas.openxmlformats.org/drawingml/2006/main" xmlns:r="http://schemas.openxmlformats.org/officeDocument/2006/relationships" xmlns:p="http://schemas.openxmlformats.org/presentationml/2006/main">
-  <p:cSld>
-    <p:spTree>
-      <p:nvGrpSpPr>
-        <p:cNvPr id="1" name=""/>
-        <p:cNvGrpSpPr/>
-        <p:nvPr/>
-      </p:nvGrpSpPr>
-      <p:grpSpPr>
-        <a:xfrm>
-          <a:off x="0" y="0"/>
-          <a:ext cx="0" cy="0"/>
-          <a:chOff x="0" y="0"/>
-          <a:chExt cx="0" cy="0"/>
-        </a:xfrm>
-      </p:grpSpPr>
-      <p:pic>
-        <p:nvPicPr>
-          <p:cNvPr id="4" name="图片 3" descr="1"/>
-          <p:cNvPicPr>
-            <a:picLocks noChangeAspect="1"/>
-          </p:cNvPicPr>
-          <p:nvPr/>
-        </p:nvPicPr>
-        <p:blipFill>
-          <a:blip r:embed="rId1"/>
-          <a:stretch>
-            <a:fillRect/>
-          </a:stretch>
-        </p:blipFill>
-        <p:spPr>
-          <a:xfrm>
-            <a:off x="4745355" y="-588645"/>
-            <a:ext cx="12060555" cy="8474075"/>
-          </a:xfrm>
-          <a:prstGeom prst="rect">
-            <a:avLst/>
-          </a:prstGeom>
-        </p:spPr>
-      </p:pic>
-      <p:sp>
-        <p:nvSpPr>
-          <p:cNvPr id="5" name="文本框 4"/>
-          <p:cNvSpPr txBox="1"/>
-          <p:nvPr/>
-        </p:nvSpPr>
-        <p:spPr>
-          <a:xfrm>
-            <a:off x="768985" y="2095500"/>
-            <a:ext cx="7110730" cy="1445260"/>
-          </a:xfrm>
-          <a:prstGeom prst="rect">
-            <a:avLst/>
-          </a:prstGeom>
-          <a:noFill/>
-        </p:spPr>
-        <p:txBody>
-          <a:bodyPr wrap="square" rtlCol="0">
-            <a:spAutoFit/>
-          </a:bodyPr>
-          <a:lstStyle/>
-          <a:p>
-            <a:pPr marL="0" marR="0" lvl="0" indent="0" algn="l" defTabSz="914400" rtl="0" eaLnBrk="1" fontAlgn="auto" latinLnBrk="0" hangingPunct="1">
-              <a:lnSpc>
-                <a:spcPct val="100000"/>
-              </a:lnSpc>
-              <a:spcBef>
-                <a:spcPts val="0"/>
-              </a:spcBef>
-              <a:spcAft>
-                <a:spcPts val="0"/>
-              </a:spcAft>
-              <a:buClrTx/>
-              <a:buSzTx/>
-              <a:buFontTx/>
-              <a:buNone/>
-              <a:defRPr/>
-            </a:pPr>
-            <a:r>
-              <a:rPr kumimoji="0" lang="en-US" altLang="zh-CN" sz="8800" b="0" i="0" u="none" strike="noStrike" kern="1200" cap="none" spc="0" normalizeH="0" baseline="0" noProof="0" dirty="0">
-                <a:ln>
-                  <a:solidFill>
-                    <a:srgbClr val="383987"/>
-                  </a:solidFill>
-                </a:ln>
-                <a:noFill/>
-                <a:effectLst/>
-                <a:uLnTx/>
-                <a:uFillTx/>
-                <a:latin typeface="Agency FB" panose="020B0503020202020204" pitchFamily="34" charset="0"/>
-                <a:ea typeface="宋体" panose="02010600030101010101" pitchFamily="2" charset="-122"/>
-                <a:cs typeface="+mn-cs"/>
-              </a:rPr>
-              <a:t>THANKS</a:t>
-            </a:r>
-            <a:endParaRPr kumimoji="0" lang="en-US" altLang="zh-CN" sz="8800" b="0" i="0" u="none" strike="noStrike" kern="1200" cap="none" spc="0" normalizeH="0" baseline="0" noProof="0" dirty="0">
-              <a:ln>
-                <a:solidFill>
-                  <a:srgbClr val="383987"/>
-                </a:solidFill>
-              </a:ln>
-              <a:noFill/>
-              <a:effectLst/>
-              <a:uLnTx/>
-              <a:uFillTx/>
-              <a:latin typeface="Agency FB" panose="020B0503020202020204" pitchFamily="34" charset="0"/>
-              <a:ea typeface="宋体" panose="02010600030101010101" pitchFamily="2" charset="-122"/>
-              <a:cs typeface="+mn-cs"/>
-            </a:endParaRPr>
-          </a:p>
-        </p:txBody>
-      </p:sp>
-      <p:sp>
-        <p:nvSpPr>
-          <p:cNvPr id="2" name="文本框 1"/>
-          <p:cNvSpPr txBox="1"/>
-          <p:nvPr/>
-        </p:nvSpPr>
-        <p:spPr>
-          <a:xfrm>
-            <a:off x="934085" y="3540760"/>
-            <a:ext cx="4176395" cy="460375"/>
-          </a:xfrm>
-          <a:prstGeom prst="rect">
-            <a:avLst/>
-          </a:prstGeom>
-          <a:noFill/>
-        </p:spPr>
-        <p:txBody>
-          <a:bodyPr wrap="square" rtlCol="0">
-            <a:spAutoFit/>
-          </a:bodyPr>
-          <a:lstStyle/>
-          <a:p>
-            <a:pPr marL="0" marR="0" lvl="0" indent="0" algn="dist" defTabSz="914400" rtl="0" eaLnBrk="1" fontAlgn="auto" latinLnBrk="0" hangingPunct="1">
-              <a:lnSpc>
-                <a:spcPct val="100000"/>
-              </a:lnSpc>
-              <a:spcBef>
-                <a:spcPts val="0"/>
-              </a:spcBef>
-              <a:spcAft>
-                <a:spcPts val="0"/>
-              </a:spcAft>
-              <a:buClrTx/>
-              <a:buSzTx/>
-              <a:buFontTx/>
-              <a:buNone/>
-              <a:defRPr/>
-            </a:pPr>
-            <a:r>
-              <a:rPr kumimoji="0" lang="zh-CN" altLang="en-US" sz="2400" b="0" i="0" u="none" strike="noStrike" kern="1200" cap="none" spc="0" normalizeH="0" baseline="0" noProof="0">
-                <a:ln>
-                  <a:noFill/>
-                </a:ln>
-                <a:solidFill>
-                  <a:srgbClr val="383987"/>
-                </a:solidFill>
-                <a:effectLst/>
-                <a:uLnTx/>
-                <a:uFillTx/>
-                <a:latin typeface="微软雅黑" panose="020B0503020204020204" charset="-122"/>
-                <a:ea typeface="微软雅黑" panose="020B0503020204020204" charset="-122"/>
-                <a:cs typeface="+mn-cs"/>
-              </a:rPr>
-              <a:t>谢谢观看</a:t>
-            </a:r>
-            <a:endParaRPr kumimoji="0" lang="zh-CN" altLang="en-US" sz="2400" b="0" i="0" u="none" strike="noStrike" kern="1200" cap="none" spc="0" normalizeH="0" baseline="0" noProof="0">
-              <a:ln>
-                <a:noFill/>
-              </a:ln>
-              <a:solidFill>
-                <a:srgbClr val="383987"/>
-              </a:solidFill>
-              <a:effectLst/>
-              <a:uLnTx/>
-              <a:uFillTx/>
-              <a:latin typeface="微软雅黑" panose="020B0503020204020204" charset="-122"/>
-              <a:ea typeface="微软雅黑" panose="020B0503020204020204" charset="-122"/>
-              <a:cs typeface="+mn-cs"/>
             </a:endParaRPr>
           </a:p>
         </p:txBody>
@@ -7540,6 +8357,12 @@
 </file>
 
 <file path=ppt/tags/tag20.xml><?xml version="1.0" encoding="utf-8"?>
+<p:tagLst xmlns:p="http://schemas.openxmlformats.org/presentationml/2006/main">
+  <p:tag name="KSO_WM_BEAUTIFY_FLAG" val=""/>
+</p:tagLst>
+</file>
+
+<file path=ppt/tags/tag21.xml><?xml version="1.0" encoding="utf-8"?>
 <p:tagLst xmlns:p="http://schemas.openxmlformats.org/presentationml/2006/main">
   <p:tag name="KSO_WPP_MARK_KEY" val="c7925d13-95db-4618-ac98-c22196edd7f9"/>
   <p:tag name="COMMONDATA" val="eyJoZGlkIjoiZTg3MzIzMDhlODgyZTlkYzQ0OWY3ZDI2YzlhMjBjMGIifQ=="/>

--- a/0.组会记录/2024-10-9/report-2024-10-10.pptx
+++ b/0.组会记录/2024-10-9/report-2024-10-10.pptx
@@ -15,7 +15,7 @@
     <p:sldId id="1359" r:id="rId8"/>
     <p:sldId id="1364" r:id="rId9"/>
     <p:sldId id="1360" r:id="rId10"/>
-    <p:sldId id="1357" r:id="rId11"/>
+    <p:sldId id="1365" r:id="rId11"/>
     <p:sldId id="1358" r:id="rId12"/>
     <p:sldId id="1356" r:id="rId13"/>
   </p:sldIdLst>
@@ -4742,7 +4742,7 @@
       </p:sp>
       <p:sp>
         <p:nvSpPr>
-          <p:cNvPr id="6" name="文本框 5"/>
+          <p:cNvPr id="10" name="文本框 9"/>
           <p:cNvSpPr txBox="1"/>
           <p:nvPr>
             <p:custDataLst>
@@ -4752,8 +4752,8 @@
         </p:nvSpPr>
         <p:spPr>
           <a:xfrm>
-            <a:off x="3072799" y="3324202"/>
-            <a:ext cx="795655" cy="583565"/>
+            <a:off x="3334419" y="2537455"/>
+            <a:ext cx="7462520" cy="648970"/>
           </a:xfrm>
           <a:prstGeom prst="rect">
             <a:avLst/>
@@ -4761,9 +4761,7 @@
           <a:noFill/>
         </p:spPr>
         <p:txBody>
-          <a:bodyPr wrap="square" rtlCol="0">
-            <a:spAutoFit/>
-          </a:bodyPr>
+          <a:bodyPr anchor="ctr"/>
           <a:p>
             <a:pPr marL="0" marR="0" lvl="0" indent="0" algn="ctr" defTabSz="914400" rtl="0" eaLnBrk="1" fontAlgn="auto" latinLnBrk="0" hangingPunct="1">
               <a:lnSpc>
@@ -4782,36 +4780,22 @@
               <a:defRPr/>
             </a:pPr>
             <a:r>
-              <a:rPr kumimoji="0" lang="en-US" altLang="zh-CN" sz="3200" b="0" i="0" u="none" strike="noStrike" kern="1200" cap="none" spc="0" normalizeH="0" baseline="0" noProof="0" dirty="0">
-                <a:ln w="3175">
-                  <a:solidFill>
-                    <a:srgbClr val="383987"/>
-                  </a:solidFill>
-                </a:ln>
-                <a:noFill/>
-                <a:effectLst/>
-                <a:uLnTx/>
-                <a:uFillTx/>
-                <a:latin typeface="Agency FB" panose="020B0503020202020204" pitchFamily="34" charset="0"/>
-                <a:ea typeface="微软雅黑" panose="020B0503020204020204" charset="-122"/>
-                <a:cs typeface="+mn-cs"/>
+              <a:rPr lang="zh-CN" altLang="en-US" sz="2400" dirty="0">
+                <a:solidFill>
+                  <a:srgbClr val="383987"/>
+                </a:solidFill>
+                <a:latin typeface="微软雅黑" panose="020B0503020204020204" charset="-122"/>
+                <a:ea typeface="微软雅黑" panose="020B0503020204020204" charset="-122"/>
                 <a:sym typeface="+mn-ea"/>
               </a:rPr>
-              <a:t>03</a:t>
-            </a:r>
-            <a:endParaRPr kumimoji="0" lang="en-US" altLang="zh-CN" sz="3200" b="0" i="0" u="none" strike="noStrike" kern="1200" cap="none" spc="0" normalizeH="0" baseline="0" noProof="0" dirty="0">
-              <a:ln w="3175">
-                <a:solidFill>
-                  <a:srgbClr val="383987"/>
-                </a:solidFill>
-              </a:ln>
-              <a:noFill/>
-              <a:effectLst/>
-              <a:uLnTx/>
-              <a:uFillTx/>
-              <a:latin typeface="Agency FB" panose="020B0503020202020204" pitchFamily="34" charset="0"/>
+              <a:t>下周计划</a:t>
+            </a:r>
+            <a:endParaRPr lang="zh-CN" altLang="en-US" sz="2400" dirty="0">
+              <a:solidFill>
+                <a:srgbClr val="383987"/>
+              </a:solidFill>
+              <a:latin typeface="微软雅黑" panose="020B0503020204020204" charset="-122"/>
               <a:ea typeface="微软雅黑" panose="020B0503020204020204" charset="-122"/>
-              <a:cs typeface="+mn-cs"/>
               <a:sym typeface="+mn-ea"/>
             </a:endParaRPr>
           </a:p>
@@ -4819,7 +4803,7 @@
       </p:sp>
       <p:sp>
         <p:nvSpPr>
-          <p:cNvPr id="10" name="文本框 9"/>
+          <p:cNvPr id="11" name="文本框 10"/>
           <p:cNvSpPr txBox="1"/>
           <p:nvPr>
             <p:custDataLst>
@@ -4829,7 +4813,7 @@
         </p:nvSpPr>
         <p:spPr>
           <a:xfrm>
-            <a:off x="3334419" y="3324220"/>
+            <a:off x="3500154" y="1750690"/>
             <a:ext cx="7462520" cy="648970"/>
           </a:xfrm>
           <a:prstGeom prst="rect">
@@ -4857,7 +4841,7 @@
               <a:defRPr/>
             </a:pPr>
             <a:r>
-              <a:rPr lang="zh-CN" altLang="en-US" sz="2400" dirty="0">
+              <a:rPr lang="en-US" altLang="zh-CN" sz="2400" dirty="0">
                 <a:solidFill>
                   <a:srgbClr val="383987"/>
                 </a:solidFill>
@@ -4865,9 +4849,9 @@
                 <a:ea typeface="微软雅黑" panose="020B0503020204020204" charset="-122"/>
                 <a:sym typeface="+mn-ea"/>
               </a:rPr>
-              <a:t>下周计划</a:t>
-            </a:r>
-            <a:endParaRPr lang="zh-CN" altLang="en-US" sz="2400" dirty="0">
+              <a:t>AN IMAGE IS WORTH 16X16 WORDS:</a:t>
+            </a:r>
+            <a:endParaRPr lang="en-US" altLang="zh-CN" sz="2400" dirty="0">
               <a:solidFill>
                 <a:srgbClr val="383987"/>
               </a:solidFill>
@@ -4876,30 +4860,6 @@
               <a:sym typeface="+mn-ea"/>
             </a:endParaRPr>
           </a:p>
-        </p:txBody>
-      </p:sp>
-      <p:sp>
-        <p:nvSpPr>
-          <p:cNvPr id="11" name="文本框 10"/>
-          <p:cNvSpPr txBox="1"/>
-          <p:nvPr>
-            <p:custDataLst>
-              <p:tags r:id="rId8"/>
-            </p:custDataLst>
-          </p:nvPr>
-        </p:nvSpPr>
-        <p:spPr>
-          <a:xfrm>
-            <a:off x="3500154" y="1750690"/>
-            <a:ext cx="7462520" cy="648970"/>
-          </a:xfrm>
-          <a:prstGeom prst="rect">
-            <a:avLst/>
-          </a:prstGeom>
-          <a:noFill/>
-        </p:spPr>
-        <p:txBody>
-          <a:bodyPr anchor="ctr"/>
           <a:p>
             <a:pPr marL="0" marR="0" lvl="0" indent="0" algn="ctr" defTabSz="914400" rtl="0" eaLnBrk="1" fontAlgn="auto" latinLnBrk="0" hangingPunct="1">
               <a:lnSpc>
@@ -4926,7 +4886,7 @@
                 <a:ea typeface="微软雅黑" panose="020B0503020204020204" charset="-122"/>
                 <a:sym typeface="+mn-ea"/>
               </a:rPr>
-              <a:t>AN IMAGE IS WORTH 16X16 WORDS:</a:t>
+              <a:t>TRANSFORMERS FOR IMAGE RECOGNITION AT SCALE</a:t>
             </a:r>
             <a:endParaRPr lang="en-US" altLang="zh-CN" sz="2400" dirty="0">
               <a:solidFill>
@@ -4954,131 +4914,7 @@
               <a:buNone/>
               <a:defRPr/>
             </a:pPr>
-            <a:r>
-              <a:rPr lang="en-US" altLang="zh-CN" sz="2400" dirty="0">
-                <a:solidFill>
-                  <a:srgbClr val="383987"/>
-                </a:solidFill>
-                <a:latin typeface="微软雅黑" panose="020B0503020204020204" charset="-122"/>
-                <a:ea typeface="微软雅黑" panose="020B0503020204020204" charset="-122"/>
-                <a:sym typeface="+mn-ea"/>
-              </a:rPr>
-              <a:t>TRANSFORMERS FOR IMAGE RECOGNITION AT SCALE</a:t>
-            </a:r>
             <a:endParaRPr lang="en-US" altLang="zh-CN" sz="2400" dirty="0">
-              <a:solidFill>
-                <a:srgbClr val="383987"/>
-              </a:solidFill>
-              <a:latin typeface="微软雅黑" panose="020B0503020204020204" charset="-122"/>
-              <a:ea typeface="微软雅黑" panose="020B0503020204020204" charset="-122"/>
-              <a:sym typeface="+mn-ea"/>
-            </a:endParaRPr>
-          </a:p>
-          <a:p>
-            <a:pPr marL="0" marR="0" lvl="0" indent="0" algn="ctr" defTabSz="914400" rtl="0" eaLnBrk="1" fontAlgn="auto" latinLnBrk="0" hangingPunct="1">
-              <a:lnSpc>
-                <a:spcPct val="100000"/>
-              </a:lnSpc>
-              <a:spcBef>
-                <a:spcPts val="0"/>
-              </a:spcBef>
-              <a:spcAft>
-                <a:spcPts val="0"/>
-              </a:spcAft>
-              <a:buClrTx/>
-              <a:buSzTx/>
-              <a:buFontTx/>
-              <a:buNone/>
-              <a:defRPr/>
-            </a:pPr>
-            <a:endParaRPr lang="en-US" altLang="zh-CN" sz="2400" dirty="0">
-              <a:solidFill>
-                <a:srgbClr val="383987"/>
-              </a:solidFill>
-              <a:latin typeface="微软雅黑" panose="020B0503020204020204" charset="-122"/>
-              <a:ea typeface="微软雅黑" panose="020B0503020204020204" charset="-122"/>
-              <a:sym typeface="+mn-ea"/>
-            </a:endParaRPr>
-          </a:p>
-          <a:p>
-            <a:pPr marL="0" marR="0" lvl="0" indent="0" algn="ctr" defTabSz="914400" rtl="0" eaLnBrk="1" fontAlgn="auto" latinLnBrk="0" hangingPunct="1">
-              <a:lnSpc>
-                <a:spcPct val="100000"/>
-              </a:lnSpc>
-              <a:spcBef>
-                <a:spcPts val="0"/>
-              </a:spcBef>
-              <a:spcAft>
-                <a:spcPts val="0"/>
-              </a:spcAft>
-              <a:buClrTx/>
-              <a:buSzTx/>
-              <a:buFontTx/>
-              <a:buNone/>
-              <a:defRPr/>
-            </a:pPr>
-            <a:r>
-              <a:rPr lang="en-US" altLang="zh-CN" sz="2400" dirty="0">
-                <a:solidFill>
-                  <a:srgbClr val="383987"/>
-                </a:solidFill>
-                <a:latin typeface="微软雅黑" panose="020B0503020204020204" charset="-122"/>
-                <a:ea typeface="微软雅黑" panose="020B0503020204020204" charset="-122"/>
-                <a:sym typeface="+mn-ea"/>
-              </a:rPr>
-              <a:t>Cal-DETR: Calibrated Detection Transformer</a:t>
-            </a:r>
-            <a:endParaRPr lang="en-US" altLang="zh-CN" sz="2400" dirty="0">
-              <a:solidFill>
-                <a:srgbClr val="383987"/>
-              </a:solidFill>
-              <a:latin typeface="微软雅黑" panose="020B0503020204020204" charset="-122"/>
-              <a:ea typeface="微软雅黑" panose="020B0503020204020204" charset="-122"/>
-              <a:sym typeface="+mn-ea"/>
-            </a:endParaRPr>
-          </a:p>
-        </p:txBody>
-      </p:sp>
-      <p:sp>
-        <p:nvSpPr>
-          <p:cNvPr id="12" name="文本框 11"/>
-          <p:cNvSpPr txBox="1"/>
-          <p:nvPr>
-            <p:custDataLst>
-              <p:tags r:id="rId9"/>
-            </p:custDataLst>
-          </p:nvPr>
-        </p:nvSpPr>
-        <p:spPr>
-          <a:xfrm>
-            <a:off x="3246154" y="2399660"/>
-            <a:ext cx="7462520" cy="648970"/>
-          </a:xfrm>
-          <a:prstGeom prst="rect">
-            <a:avLst/>
-          </a:prstGeom>
-          <a:noFill/>
-        </p:spPr>
-        <p:txBody>
-          <a:bodyPr anchor="ctr"/>
-          <a:p>
-            <a:pPr marL="0" marR="0" lvl="0" indent="0" algn="ctr" defTabSz="914400" rtl="0" eaLnBrk="1" fontAlgn="auto" latinLnBrk="0" hangingPunct="1">
-              <a:lnSpc>
-                <a:spcPct val="100000"/>
-              </a:lnSpc>
-              <a:spcBef>
-                <a:spcPts val="0"/>
-              </a:spcBef>
-              <a:spcAft>
-                <a:spcPts val="0"/>
-              </a:spcAft>
-              <a:buClrTx/>
-              <a:buSzTx/>
-              <a:buFontTx/>
-              <a:buNone/>
-              <a:defRPr/>
-            </a:pPr>
-            <a:endParaRPr lang="zh-CN" altLang="en-US" sz="2400" dirty="0">
               <a:solidFill>
                 <a:srgbClr val="383987"/>
               </a:solidFill>
@@ -5642,7 +5478,7 @@
         <p:spPr>
           <a:xfrm>
             <a:off x="286385" y="2472055"/>
-            <a:ext cx="6306185" cy="1276350"/>
+            <a:ext cx="9719945" cy="1276350"/>
           </a:xfrm>
           <a:prstGeom prst="rect">
             <a:avLst/>
@@ -6031,7 +5867,7 @@
         </p:nvSpPr>
         <p:spPr>
           <a:xfrm>
-            <a:off x="286385" y="3487420"/>
+            <a:off x="455295" y="3487420"/>
             <a:ext cx="1725930" cy="506730"/>
           </a:xfrm>
           <a:prstGeom prst="rect">
@@ -6084,7 +5920,7 @@
         </p:nvSpPr>
         <p:spPr>
           <a:xfrm>
-            <a:off x="286385" y="5560060"/>
+            <a:off x="455295" y="5053330"/>
             <a:ext cx="1725930" cy="506730"/>
           </a:xfrm>
           <a:prstGeom prst="rect">
@@ -6126,8 +5962,8 @@
         </p:nvSpPr>
         <p:spPr>
           <a:xfrm>
-            <a:off x="979170" y="6002655"/>
-            <a:ext cx="10685145" cy="337185"/>
+            <a:off x="724535" y="5537200"/>
+            <a:ext cx="10685145" cy="583565"/>
           </a:xfrm>
           <a:prstGeom prst="rect">
             <a:avLst/>
@@ -6148,7 +5984,7 @@
                 <a:ea typeface="微软雅黑" panose="020B0503020204020204" charset="-122"/>
                 <a:sym typeface="+mn-ea"/>
               </a:rPr>
-              <a:t>1.  </a:t>
+              <a:t>1.</a:t>
             </a:r>
             <a:r>
               <a:rPr lang="zh-CN" altLang="en-US" sz="1600" dirty="0">
@@ -6205,6 +6041,48 @@
                 <a:sym typeface="+mn-ea"/>
               </a:rPr>
               <a:t>任务里面</a:t>
+            </a:r>
+            <a:endParaRPr lang="zh-CN" altLang="en-US" sz="1600" dirty="0">
+              <a:latin typeface="微软雅黑" panose="020B0503020204020204" charset="-122"/>
+              <a:ea typeface="微软雅黑" panose="020B0503020204020204" charset="-122"/>
+              <a:sym typeface="+mn-ea"/>
+            </a:endParaRPr>
+          </a:p>
+          <a:p>
+            <a:pPr marL="0" lvl="0" indent="0">
+              <a:buNone/>
+            </a:pPr>
+            <a:r>
+              <a:rPr lang="en-US" altLang="zh-CN" sz="1600" dirty="0">
+                <a:latin typeface="微软雅黑" panose="020B0503020204020204" charset="-122"/>
+                <a:ea typeface="微软雅黑" panose="020B0503020204020204" charset="-122"/>
+                <a:sym typeface="+mn-ea"/>
+              </a:rPr>
+              <a:t>2.</a:t>
+            </a:r>
+            <a:r>
+              <a:rPr lang="zh-CN" altLang="en-US" sz="1600" dirty="0">
+                <a:latin typeface="微软雅黑" panose="020B0503020204020204" charset="-122"/>
+                <a:ea typeface="微软雅黑" panose="020B0503020204020204" charset="-122"/>
+                <a:sym typeface="+mn-ea"/>
+              </a:rPr>
+              <a:t>利用</a:t>
+            </a:r>
+            <a:r>
+              <a:rPr lang="en-US" altLang="zh-CN" sz="1600" dirty="0">
+                <a:latin typeface="微软雅黑" panose="020B0503020204020204" charset="-122"/>
+                <a:ea typeface="微软雅黑" panose="020B0503020204020204" charset="-122"/>
+                <a:sym typeface="+mn-ea"/>
+              </a:rPr>
+              <a:t>Transformer</a:t>
+            </a:r>
+            <a:r>
+              <a:rPr lang="zh-CN" altLang="en-US" sz="1600" dirty="0">
+                <a:latin typeface="微软雅黑" panose="020B0503020204020204" charset="-122"/>
+                <a:ea typeface="微软雅黑" panose="020B0503020204020204" charset="-122"/>
+                <a:sym typeface="+mn-ea"/>
+              </a:rPr>
+              <a:t>，实现了预训练数据集大小对模型效果增益几乎无饱和的预期</a:t>
             </a:r>
             <a:endParaRPr lang="zh-CN" altLang="en-US" sz="1600" dirty="0">
               <a:latin typeface="微软雅黑" panose="020B0503020204020204" charset="-122"/>
@@ -6278,6 +6156,344 @@
             <a:pPr marL="0" lvl="0" indent="0">
               <a:buNone/>
             </a:pPr>
+            <a:endParaRPr lang="en-US" altLang="zh-CN" sz="1600" dirty="0">
+              <a:solidFill>
+                <a:schemeClr val="tx1"/>
+              </a:solidFill>
+              <a:latin typeface="微软雅黑" panose="020B0503020204020204" charset="-122"/>
+              <a:ea typeface="微软雅黑" panose="020B0503020204020204" charset="-122"/>
+            </a:endParaRPr>
+          </a:p>
+          <a:p>
+            <a:pPr marL="0" lvl="0" indent="0">
+              <a:buNone/>
+            </a:pPr>
+            <a:endParaRPr lang="en-US" altLang="zh-CN" sz="1600" dirty="0">
+              <a:solidFill>
+                <a:schemeClr val="tx1"/>
+              </a:solidFill>
+              <a:latin typeface="微软雅黑" panose="020B0503020204020204" charset="-122"/>
+              <a:ea typeface="微软雅黑" panose="020B0503020204020204" charset="-122"/>
+            </a:endParaRPr>
+          </a:p>
+          <a:p>
+            <a:pPr marL="0" lvl="0" indent="0">
+              <a:buNone/>
+            </a:pPr>
+            <a:endParaRPr lang="en-US" altLang="zh-CN" sz="1600" dirty="0">
+              <a:solidFill>
+                <a:schemeClr val="tx1"/>
+              </a:solidFill>
+              <a:latin typeface="微软雅黑" panose="020B0503020204020204" charset="-122"/>
+              <a:ea typeface="微软雅黑" panose="020B0503020204020204" charset="-122"/>
+            </a:endParaRPr>
+          </a:p>
+          <a:p>
+            <a:pPr marL="0" lvl="0" indent="0">
+              <a:buNone/>
+            </a:pPr>
+            <a:endParaRPr lang="en-US" altLang="zh-CN" sz="1600" dirty="0">
+              <a:solidFill>
+                <a:schemeClr val="tx1"/>
+              </a:solidFill>
+              <a:latin typeface="微软雅黑" panose="020B0503020204020204" charset="-122"/>
+              <a:ea typeface="微软雅黑" panose="020B0503020204020204" charset="-122"/>
+            </a:endParaRPr>
+          </a:p>
+        </p:txBody>
+      </p:sp>
+      <p:sp>
+        <p:nvSpPr>
+          <p:cNvPr id="2" name="文本框 1"/>
+          <p:cNvSpPr txBox="1"/>
+          <p:nvPr/>
+        </p:nvSpPr>
+        <p:spPr>
+          <a:xfrm>
+            <a:off x="205105" y="3982085"/>
+            <a:ext cx="8361045" cy="1276350"/>
+          </a:xfrm>
+          <a:prstGeom prst="rect">
+            <a:avLst/>
+          </a:prstGeom>
+          <a:noFill/>
+        </p:spPr>
+        <p:txBody>
+          <a:bodyPr wrap="square" rtlCol="0">
+            <a:noAutofit/>
+          </a:bodyPr>
+          <a:p>
+            <a:pPr indent="457200"/>
+            <a:r>
+              <a:rPr lang="en-US" altLang="zh-CN" sz="1600" dirty="0">
+                <a:solidFill>
+                  <a:schemeClr val="tx1"/>
+                </a:solidFill>
+                <a:latin typeface="微软雅黑" panose="020B0503020204020204" charset="-122"/>
+                <a:ea typeface="微软雅黑" panose="020B0503020204020204" charset="-122"/>
+              </a:rPr>
+              <a:t>1.</a:t>
+            </a:r>
+            <a:r>
+              <a:rPr lang="zh-CN" altLang="en-US" sz="1600" dirty="0">
+                <a:solidFill>
+                  <a:schemeClr val="tx1"/>
+                </a:solidFill>
+                <a:latin typeface="微软雅黑" panose="020B0503020204020204" charset="-122"/>
+                <a:ea typeface="微软雅黑" panose="020B0503020204020204" charset="-122"/>
+              </a:rPr>
+              <a:t>把图片打成</a:t>
+            </a:r>
+            <a:r>
+              <a:rPr lang="en-US" altLang="zh-CN" sz="1600" dirty="0">
+                <a:solidFill>
+                  <a:schemeClr val="tx1"/>
+                </a:solidFill>
+                <a:latin typeface="微软雅黑" panose="020B0503020204020204" charset="-122"/>
+                <a:ea typeface="微软雅黑" panose="020B0503020204020204" charset="-122"/>
+              </a:rPr>
+              <a:t>16*16</a:t>
+            </a:r>
+            <a:r>
+              <a:rPr lang="zh-CN" altLang="en-US" sz="1600" dirty="0">
+                <a:solidFill>
+                  <a:schemeClr val="tx1"/>
+                </a:solidFill>
+                <a:latin typeface="微软雅黑" panose="020B0503020204020204" charset="-122"/>
+                <a:ea typeface="微软雅黑" panose="020B0503020204020204" charset="-122"/>
+              </a:rPr>
+              <a:t>的</a:t>
+            </a:r>
+            <a:r>
+              <a:rPr lang="en-US" altLang="zh-CN" sz="1600" dirty="0">
+                <a:solidFill>
+                  <a:schemeClr val="tx1"/>
+                </a:solidFill>
+                <a:latin typeface="微软雅黑" panose="020B0503020204020204" charset="-122"/>
+                <a:ea typeface="微软雅黑" panose="020B0503020204020204" charset="-122"/>
+              </a:rPr>
+              <a:t>patch </a:t>
+            </a:r>
+            <a:endParaRPr lang="en-US" altLang="zh-CN" sz="1600" dirty="0">
+              <a:solidFill>
+                <a:schemeClr val="tx1"/>
+              </a:solidFill>
+              <a:latin typeface="微软雅黑" panose="020B0503020204020204" charset="-122"/>
+              <a:ea typeface="微软雅黑" panose="020B0503020204020204" charset="-122"/>
+            </a:endParaRPr>
+          </a:p>
+          <a:p>
+            <a:pPr indent="457200"/>
+            <a:r>
+              <a:rPr lang="en-US" altLang="zh-CN" sz="1600" dirty="0">
+                <a:solidFill>
+                  <a:schemeClr val="tx1"/>
+                </a:solidFill>
+                <a:latin typeface="微软雅黑" panose="020B0503020204020204" charset="-122"/>
+                <a:ea typeface="微软雅黑" panose="020B0503020204020204" charset="-122"/>
+              </a:rPr>
+              <a:t>2.</a:t>
+            </a:r>
+            <a:r>
+              <a:rPr lang="zh-CN" altLang="en-US" sz="1600" dirty="0">
+                <a:solidFill>
+                  <a:schemeClr val="tx1"/>
+                </a:solidFill>
+                <a:latin typeface="微软雅黑" panose="020B0503020204020204" charset="-122"/>
+                <a:ea typeface="微软雅黑" panose="020B0503020204020204" charset="-122"/>
+              </a:rPr>
+              <a:t>在经过线性层后加入位置编码后加入一个</a:t>
+            </a:r>
+            <a:r>
+              <a:rPr lang="en-US" altLang="zh-CN" sz="1600" dirty="0">
+                <a:solidFill>
+                  <a:schemeClr val="tx1"/>
+                </a:solidFill>
+                <a:latin typeface="微软雅黑" panose="020B0503020204020204" charset="-122"/>
+                <a:ea typeface="微软雅黑" panose="020B0503020204020204" charset="-122"/>
+              </a:rPr>
+              <a:t>class</a:t>
+            </a:r>
+            <a:r>
+              <a:rPr lang="zh-CN" altLang="en-US" sz="1600" dirty="0">
+                <a:solidFill>
+                  <a:schemeClr val="tx1"/>
+                </a:solidFill>
+                <a:latin typeface="微软雅黑" panose="020B0503020204020204" charset="-122"/>
+                <a:ea typeface="微软雅黑" panose="020B0503020204020204" charset="-122"/>
+              </a:rPr>
+              <a:t>（</a:t>
+            </a:r>
+            <a:r>
+              <a:rPr lang="en-US" altLang="zh-CN" sz="1600" dirty="0">
+                <a:solidFill>
+                  <a:schemeClr val="tx1"/>
+                </a:solidFill>
+                <a:latin typeface="微软雅黑" panose="020B0503020204020204" charset="-122"/>
+                <a:ea typeface="微软雅黑" panose="020B0503020204020204" charset="-122"/>
+              </a:rPr>
+              <a:t>token</a:t>
+            </a:r>
+            <a:r>
+              <a:rPr lang="zh-CN" altLang="en-US" sz="1600" dirty="0">
+                <a:solidFill>
+                  <a:schemeClr val="tx1"/>
+                </a:solidFill>
+                <a:latin typeface="微软雅黑" panose="020B0503020204020204" charset="-122"/>
+                <a:ea typeface="微软雅黑" panose="020B0503020204020204" charset="-122"/>
+              </a:rPr>
+              <a:t>为</a:t>
+            </a:r>
+            <a:r>
+              <a:rPr lang="en-US" altLang="zh-CN" sz="1600" dirty="0">
+                <a:solidFill>
+                  <a:schemeClr val="tx1"/>
+                </a:solidFill>
+                <a:latin typeface="微软雅黑" panose="020B0503020204020204" charset="-122"/>
+                <a:ea typeface="微软雅黑" panose="020B0503020204020204" charset="-122"/>
+              </a:rPr>
+              <a:t>0</a:t>
+            </a:r>
+            <a:r>
+              <a:rPr lang="zh-CN" altLang="en-US" sz="1600" dirty="0">
+                <a:solidFill>
+                  <a:schemeClr val="tx1"/>
+                </a:solidFill>
+                <a:latin typeface="微软雅黑" panose="020B0503020204020204" charset="-122"/>
+                <a:ea typeface="微软雅黑" panose="020B0503020204020204" charset="-122"/>
+              </a:rPr>
+              <a:t>）</a:t>
+            </a:r>
+            <a:endParaRPr lang="zh-CN" altLang="en-US" sz="1600" dirty="0">
+              <a:solidFill>
+                <a:schemeClr val="tx1"/>
+              </a:solidFill>
+              <a:latin typeface="微软雅黑" panose="020B0503020204020204" charset="-122"/>
+              <a:ea typeface="微软雅黑" panose="020B0503020204020204" charset="-122"/>
+            </a:endParaRPr>
+          </a:p>
+          <a:p>
+            <a:pPr indent="457200"/>
+            <a:r>
+              <a:rPr lang="en-US" altLang="zh-CN" sz="1600" dirty="0">
+                <a:solidFill>
+                  <a:schemeClr val="tx1"/>
+                </a:solidFill>
+                <a:latin typeface="微软雅黑" panose="020B0503020204020204" charset="-122"/>
+                <a:ea typeface="微软雅黑" panose="020B0503020204020204" charset="-122"/>
+              </a:rPr>
+              <a:t>3.</a:t>
+            </a:r>
+            <a:r>
+              <a:rPr lang="zh-CN" altLang="en-US" sz="1600" dirty="0">
+                <a:solidFill>
+                  <a:schemeClr val="tx1"/>
+                </a:solidFill>
+                <a:latin typeface="微软雅黑" panose="020B0503020204020204" charset="-122"/>
+                <a:ea typeface="微软雅黑" panose="020B0503020204020204" charset="-122"/>
+              </a:rPr>
+              <a:t>经过</a:t>
+            </a:r>
+            <a:r>
+              <a:rPr lang="en-US" altLang="zh-CN" sz="1600" dirty="0">
+                <a:solidFill>
+                  <a:schemeClr val="tx1"/>
+                </a:solidFill>
+                <a:latin typeface="微软雅黑" panose="020B0503020204020204" charset="-122"/>
+                <a:ea typeface="微软雅黑" panose="020B0503020204020204" charset="-122"/>
+              </a:rPr>
+              <a:t>L</a:t>
+            </a:r>
+            <a:r>
+              <a:rPr lang="zh-CN" altLang="en-US" sz="1600" dirty="0">
+                <a:solidFill>
+                  <a:schemeClr val="tx1"/>
+                </a:solidFill>
+                <a:latin typeface="微软雅黑" panose="020B0503020204020204" charset="-122"/>
+                <a:ea typeface="微软雅黑" panose="020B0503020204020204" charset="-122"/>
+              </a:rPr>
+              <a:t>层</a:t>
+            </a:r>
+            <a:r>
+              <a:rPr lang="en-US" altLang="zh-CN" sz="1600" dirty="0">
+                <a:solidFill>
+                  <a:schemeClr val="tx1"/>
+                </a:solidFill>
+                <a:latin typeface="微软雅黑" panose="020B0503020204020204" charset="-122"/>
+                <a:ea typeface="微软雅黑" panose="020B0503020204020204" charset="-122"/>
+              </a:rPr>
+              <a:t>Transformer</a:t>
+            </a:r>
+            <a:r>
+              <a:rPr lang="zh-CN" altLang="en-US" sz="1600" dirty="0">
+                <a:solidFill>
+                  <a:schemeClr val="tx1"/>
+                </a:solidFill>
+                <a:latin typeface="微软雅黑" panose="020B0503020204020204" charset="-122"/>
+                <a:ea typeface="微软雅黑" panose="020B0503020204020204" charset="-122"/>
+              </a:rPr>
+              <a:t>循环之后取</a:t>
+            </a:r>
+            <a:r>
+              <a:rPr lang="en-US" altLang="zh-CN" sz="1600" dirty="0">
+                <a:solidFill>
+                  <a:schemeClr val="tx1"/>
+                </a:solidFill>
+                <a:latin typeface="微软雅黑" panose="020B0503020204020204" charset="-122"/>
+                <a:ea typeface="微软雅黑" panose="020B0503020204020204" charset="-122"/>
+              </a:rPr>
+              <a:t>class</a:t>
+            </a:r>
+            <a:r>
+              <a:rPr lang="zh-CN" altLang="en-US" sz="1600" dirty="0">
+                <a:solidFill>
+                  <a:schemeClr val="tx1"/>
+                </a:solidFill>
+                <a:latin typeface="微软雅黑" panose="020B0503020204020204" charset="-122"/>
+                <a:ea typeface="微软雅黑" panose="020B0503020204020204" charset="-122"/>
+              </a:rPr>
+              <a:t>对应的输出作为分类预</a:t>
+            </a:r>
+            <a:endParaRPr lang="zh-CN" altLang="en-US" sz="1600" dirty="0">
+              <a:solidFill>
+                <a:schemeClr val="tx1"/>
+              </a:solidFill>
+              <a:latin typeface="微软雅黑" panose="020B0503020204020204" charset="-122"/>
+              <a:ea typeface="微软雅黑" panose="020B0503020204020204" charset="-122"/>
+            </a:endParaRPr>
+          </a:p>
+          <a:p>
+            <a:pPr indent="457200"/>
+            <a:r>
+              <a:rPr lang="zh-CN" altLang="en-US" sz="1600" dirty="0">
+                <a:solidFill>
+                  <a:schemeClr val="tx1"/>
+                </a:solidFill>
+                <a:latin typeface="微软雅黑" panose="020B0503020204020204" charset="-122"/>
+                <a:ea typeface="微软雅黑" panose="020B0503020204020204" charset="-122"/>
+              </a:rPr>
+              <a:t> </a:t>
+            </a:r>
+            <a:r>
+              <a:rPr lang="en-US" altLang="zh-CN" sz="1600" dirty="0">
+                <a:solidFill>
+                  <a:schemeClr val="tx1"/>
+                </a:solidFill>
+                <a:latin typeface="微软雅黑" panose="020B0503020204020204" charset="-122"/>
+                <a:ea typeface="微软雅黑" panose="020B0503020204020204" charset="-122"/>
+              </a:rPr>
+              <a:t>  </a:t>
+            </a:r>
+            <a:r>
+              <a:rPr lang="zh-CN" altLang="en-US" sz="1600" dirty="0">
+                <a:solidFill>
+                  <a:schemeClr val="tx1"/>
+                </a:solidFill>
+                <a:latin typeface="微软雅黑" panose="020B0503020204020204" charset="-122"/>
+                <a:ea typeface="微软雅黑" panose="020B0503020204020204" charset="-122"/>
+              </a:rPr>
+              <a:t>测</a:t>
+            </a:r>
             <a:endParaRPr lang="en-US" altLang="zh-CN" sz="1600" dirty="0">
               <a:solidFill>
                 <a:schemeClr val="tx1"/>
@@ -6769,8 +6985,8 @@
         </p:blipFill>
         <p:spPr>
           <a:xfrm>
-            <a:off x="6097905" y="601980"/>
-            <a:ext cx="6094095" cy="3276600"/>
+            <a:off x="466090" y="3144520"/>
+            <a:ext cx="6525895" cy="3509010"/>
           </a:xfrm>
           <a:prstGeom prst="rect">
             <a:avLst/>
@@ -6785,12 +7001,12 @@
         </p:nvCxnSpPr>
         <p:spPr>
           <a:xfrm flipV="1">
-            <a:off x="9173845" y="1109980"/>
-            <a:ext cx="1587500" cy="673100"/>
+            <a:off x="3441700" y="3894455"/>
+            <a:ext cx="2032000" cy="417830"/>
           </a:xfrm>
           <a:prstGeom prst="bentConnector3">
             <a:avLst>
-              <a:gd name="adj1" fmla="val 50040"/>
+              <a:gd name="adj1" fmla="val -1406"/>
             </a:avLst>
           </a:prstGeom>
           <a:ln>
@@ -6896,7 +7112,7 @@
         </p:nvSpPr>
         <p:spPr>
           <a:xfrm>
-            <a:off x="-6350" y="0"/>
+            <a:off x="-99695" y="0"/>
             <a:ext cx="12198350" cy="540000"/>
           </a:xfrm>
           <a:prstGeom prst="rect">
@@ -7529,7 +7745,40 @@
                 <a:ea typeface="微软雅黑" panose="020B0503020204020204" charset="-122"/>
                 <a:sym typeface="+mn-ea"/>
               </a:rPr>
-              <a:t>1.Resnet in Resnet: Generalizing Residual Architectures</a:t>
+              <a:t>1.AN IMAGE IS WORTH 16X16 WORDS:</a:t>
+            </a:r>
+            <a:endParaRPr lang="en-US" altLang="zh-CN" dirty="0">
+              <a:effectLst/>
+              <a:latin typeface="微软雅黑" panose="020B0503020204020204" charset="-122"/>
+              <a:ea typeface="微软雅黑" panose="020B0503020204020204" charset="-122"/>
+              <a:sym typeface="+mn-ea"/>
+            </a:endParaRPr>
+          </a:p>
+          <a:p>
+            <a:pPr marL="0" marR="0" lvl="0" indent="0" algn="ctr" defTabSz="914400" rtl="0" eaLnBrk="1" fontAlgn="auto" latinLnBrk="0" hangingPunct="1">
+              <a:lnSpc>
+                <a:spcPct val="100000"/>
+              </a:lnSpc>
+              <a:spcBef>
+                <a:spcPts val="0"/>
+              </a:spcBef>
+              <a:spcAft>
+                <a:spcPts val="0"/>
+              </a:spcAft>
+              <a:buClrTx/>
+              <a:buSzTx/>
+              <a:buFontTx/>
+              <a:buNone/>
+              <a:defRPr/>
+            </a:pPr>
+            <a:r>
+              <a:rPr lang="en-US" altLang="zh-CN" dirty="0">
+                <a:effectLst/>
+                <a:latin typeface="微软雅黑" panose="020B0503020204020204" charset="-122"/>
+                <a:ea typeface="微软雅黑" panose="020B0503020204020204" charset="-122"/>
+                <a:sym typeface="+mn-ea"/>
+              </a:rPr>
+              <a:t>TRANSFORMERS FOR IMAGE RECOGNITION AT SCALE</a:t>
             </a:r>
             <a:endParaRPr lang="en-US" altLang="zh-CN" dirty="0">
               <a:effectLst/>
@@ -7547,20 +7796,60 @@
         </p:nvSpPr>
         <p:spPr>
           <a:xfrm>
-            <a:off x="911860" y="1351598"/>
-            <a:ext cx="5080000" cy="337185"/>
+            <a:off x="911860" y="1306195"/>
+            <a:ext cx="11280140" cy="829945"/>
           </a:xfrm>
           <a:prstGeom prst="rect">
             <a:avLst/>
           </a:prstGeom>
         </p:spPr>
         <p:txBody>
-          <a:bodyPr>
+          <a:bodyPr wrap="square">
             <a:spAutoFit/>
           </a:bodyPr>
           <a:p>
             <a:pPr marL="0" indent="0" algn="just"/>
             <a:r>
+              <a:rPr lang="zh-CN" sz="1600" b="0" i="0">
+                <a:solidFill>
+                  <a:srgbClr val="000000"/>
+                </a:solidFill>
+                <a:latin typeface="微软雅黑" panose="020B0503020204020204" charset="-122"/>
+                <a:ea typeface="微软雅黑" panose="020B0503020204020204" charset="-122"/>
+              </a:rPr>
+              <a:t>预训练：</a:t>
+            </a:r>
+            <a:r>
+              <a:rPr sz="1600" b="0" i="0">
+                <a:solidFill>
+                  <a:srgbClr val="000000"/>
+                </a:solidFill>
+                <a:latin typeface="微软雅黑" panose="020B0503020204020204" charset="-122"/>
+                <a:ea typeface="微软雅黑" panose="020B0503020204020204" charset="-122"/>
+              </a:rPr>
+              <a:t>ILSVRC-2012 ImageNet</a:t>
+            </a:r>
+            <a:r>
+              <a:rPr lang="en-US" sz="1600" b="0" i="0">
+                <a:solidFill>
+                  <a:srgbClr val="000000"/>
+                </a:solidFill>
+                <a:latin typeface="微软雅黑" panose="020B0503020204020204" charset="-122"/>
+                <a:ea typeface="微软雅黑" panose="020B0503020204020204" charset="-122"/>
+              </a:rPr>
+              <a:t> </a:t>
+            </a:r>
+            <a:r>
+              <a:rPr lang="zh-CN" altLang="en-US" sz="1600" b="0" i="0">
+                <a:solidFill>
+                  <a:srgbClr val="000000"/>
+                </a:solidFill>
+                <a:latin typeface="微软雅黑" panose="020B0503020204020204" charset="-122"/>
+                <a:ea typeface="微软雅黑" panose="020B0503020204020204" charset="-122"/>
+              </a:rPr>
+              <a:t>和</a:t>
+            </a:r>
+            <a:r>
               <a:rPr lang="en-US" altLang="zh-CN" sz="1600" b="0" i="0">
                 <a:solidFill>
                   <a:srgbClr val="000000"/>
@@ -7568,7 +7857,7 @@
                 <a:latin typeface="微软雅黑" panose="020B0503020204020204" charset="-122"/>
                 <a:ea typeface="微软雅黑" panose="020B0503020204020204" charset="-122"/>
               </a:rPr>
-              <a:t>CIFAR-10</a:t>
+              <a:t> JFT300M</a:t>
             </a:r>
             <a:r>
               <a:rPr lang="zh-CN" altLang="en-US" sz="1600" b="0" i="0">
@@ -7578,6 +7867,86 @@
                 <a:latin typeface="微软雅黑" panose="020B0503020204020204" charset="-122"/>
                 <a:ea typeface="微软雅黑" panose="020B0503020204020204" charset="-122"/>
               </a:rPr>
+              <a:t>数据集</a:t>
+            </a:r>
+            <a:r>
+              <a:rPr lang="en-US" altLang="zh-CN" sz="1600" b="0" i="0">
+                <a:solidFill>
+                  <a:srgbClr val="000000"/>
+                </a:solidFill>
+                <a:latin typeface="微软雅黑" panose="020B0503020204020204" charset="-122"/>
+                <a:ea typeface="微软雅黑" panose="020B0503020204020204" charset="-122"/>
+              </a:rPr>
+              <a:t> </a:t>
+            </a:r>
+            <a:r>
+              <a:rPr lang="zh-CN" altLang="en-US" sz="1600" b="0" i="0">
+                <a:solidFill>
+                  <a:srgbClr val="000000"/>
+                </a:solidFill>
+                <a:latin typeface="微软雅黑" panose="020B0503020204020204" charset="-122"/>
+                <a:ea typeface="微软雅黑" panose="020B0503020204020204" charset="-122"/>
+              </a:rPr>
+              <a:t>进行预训练</a:t>
+            </a:r>
+            <a:endParaRPr lang="zh-CN" altLang="en-US" sz="1600" b="0" i="0">
+              <a:solidFill>
+                <a:srgbClr val="000000"/>
+              </a:solidFill>
+              <a:latin typeface="微软雅黑" panose="020B0503020204020204" charset="-122"/>
+              <a:ea typeface="微软雅黑" panose="020B0503020204020204" charset="-122"/>
+            </a:endParaRPr>
+          </a:p>
+          <a:p>
+            <a:pPr marL="0" indent="0" algn="just"/>
+            <a:r>
+              <a:rPr lang="zh-CN" altLang="en-US" sz="1600" b="0" i="0">
+                <a:solidFill>
+                  <a:srgbClr val="000000"/>
+                </a:solidFill>
+                <a:latin typeface="微软雅黑" panose="020B0503020204020204" charset="-122"/>
+                <a:ea typeface="微软雅黑" panose="020B0503020204020204" charset="-122"/>
+              </a:rPr>
+              <a:t>硬件：TPUv3硬件</a:t>
+            </a:r>
+            <a:endParaRPr lang="zh-CN" altLang="en-US" sz="1600" b="0" i="0">
+              <a:solidFill>
+                <a:srgbClr val="000000"/>
+              </a:solidFill>
+              <a:latin typeface="微软雅黑" panose="020B0503020204020204" charset="-122"/>
+              <a:ea typeface="微软雅黑" panose="020B0503020204020204" charset="-122"/>
+            </a:endParaRPr>
+          </a:p>
+          <a:p>
+            <a:pPr marL="0" indent="0" algn="just"/>
+            <a:r>
+              <a:rPr lang="zh-CN" altLang="en-US" sz="1600" b="0" i="0">
+                <a:solidFill>
+                  <a:srgbClr val="000000"/>
+                </a:solidFill>
+                <a:latin typeface="微软雅黑" panose="020B0503020204020204" charset="-122"/>
+                <a:ea typeface="微软雅黑" panose="020B0503020204020204" charset="-122"/>
+              </a:rPr>
+              <a:t>评估标准：</a:t>
+            </a:r>
+            <a:r>
+              <a:rPr lang="en-US" altLang="zh-CN" sz="1600" b="0" i="0">
+                <a:solidFill>
+                  <a:srgbClr val="000000"/>
+                </a:solidFill>
+                <a:latin typeface="微软雅黑" panose="020B0503020204020204" charset="-122"/>
+                <a:ea typeface="微软雅黑" panose="020B0503020204020204" charset="-122"/>
+              </a:rPr>
+              <a:t>map</a:t>
+            </a:r>
+            <a:r>
+              <a:rPr lang="zh-CN" altLang="en-US" sz="1600" b="0" i="0">
+                <a:solidFill>
+                  <a:srgbClr val="000000"/>
+                </a:solidFill>
+                <a:latin typeface="微软雅黑" panose="020B0503020204020204" charset="-122"/>
+                <a:ea typeface="微软雅黑" panose="020B0503020204020204" charset="-122"/>
+              </a:rPr>
               <a:t>和</a:t>
             </a:r>
             <a:r>
@@ -7588,7 +7957,7 @@
                 <a:latin typeface="微软雅黑" panose="020B0503020204020204" charset="-122"/>
                 <a:ea typeface="微软雅黑" panose="020B0503020204020204" charset="-122"/>
               </a:rPr>
-              <a:t>CIFAR-100</a:t>
+              <a:t>TPUv3-core-days(</a:t>
             </a:r>
             <a:r>
               <a:rPr lang="zh-CN" altLang="en-US" sz="1600" b="0" i="0">
@@ -7598,9 +7967,39 @@
                 <a:latin typeface="微软雅黑" panose="020B0503020204020204" charset="-122"/>
                 <a:ea typeface="微软雅黑" panose="020B0503020204020204" charset="-122"/>
               </a:rPr>
-              <a:t>数据集</a:t>
-            </a:r>
-            <a:endParaRPr lang="zh-CN" altLang="en-US" sz="1600" b="0" i="0">
+              <a:t>在一个</a:t>
+            </a:r>
+            <a:r>
+              <a:rPr lang="en-US" altLang="zh-CN" sz="1600" b="0" i="0">
+                <a:solidFill>
+                  <a:srgbClr val="000000"/>
+                </a:solidFill>
+                <a:latin typeface="微软雅黑" panose="020B0503020204020204" charset="-122"/>
+                <a:ea typeface="微软雅黑" panose="020B0503020204020204" charset="-122"/>
+              </a:rPr>
+              <a:t>TPUv3</a:t>
+            </a:r>
+            <a:r>
+              <a:rPr lang="zh-CN" altLang="en-US" sz="1600" b="0" i="0">
+                <a:solidFill>
+                  <a:srgbClr val="000000"/>
+                </a:solidFill>
+                <a:latin typeface="微软雅黑" panose="020B0503020204020204" charset="-122"/>
+                <a:ea typeface="微软雅黑" panose="020B0503020204020204" charset="-122"/>
+              </a:rPr>
+              <a:t>核（两块芯片）的硬件配置下训练的天数</a:t>
+            </a:r>
+            <a:r>
+              <a:rPr lang="en-US" altLang="zh-CN" sz="1600" b="0" i="0">
+                <a:solidFill>
+                  <a:srgbClr val="000000"/>
+                </a:solidFill>
+                <a:latin typeface="微软雅黑" panose="020B0503020204020204" charset="-122"/>
+                <a:ea typeface="微软雅黑" panose="020B0503020204020204" charset="-122"/>
+              </a:rPr>
+              <a:t>)</a:t>
+            </a:r>
+            <a:endParaRPr lang="en-US" altLang="zh-CN" sz="1600" b="0" i="0">
               <a:solidFill>
                 <a:srgbClr val="000000"/>
               </a:solidFill>
@@ -7647,7 +8046,7 @@
                 <a:latin typeface="微软雅黑" panose="020B0503020204020204" charset="-122"/>
                 <a:ea typeface="微软雅黑" panose="020B0503020204020204" charset="-122"/>
               </a:rPr>
-              <a:t>数据集：</a:t>
+              <a:t>实验背景：</a:t>
             </a:r>
             <a:endParaRPr lang="en-US" altLang="zh-CN" b="1" dirty="0">
               <a:latin typeface="微软雅黑" panose="020B0503020204020204" charset="-122"/>
@@ -7656,33 +8055,55 @@
           </a:p>
         </p:txBody>
       </p:sp>
-      <p:pic>
-        <p:nvPicPr>
-          <p:cNvPr id="4" name="图片 3"/>
-          <p:cNvPicPr>
-            <a:picLocks noChangeAspect="1"/>
-          </p:cNvPicPr>
-          <p:nvPr/>
-        </p:nvPicPr>
-        <p:blipFill>
-          <a:blip r:embed="rId3"/>
-          <a:stretch>
-            <a:fillRect/>
-          </a:stretch>
-        </p:blipFill>
+      <p:sp>
+        <p:nvSpPr>
+          <p:cNvPr id="3" name="文本框 2"/>
+          <p:cNvSpPr txBox="1"/>
+          <p:nvPr>
+            <p:custDataLst>
+              <p:tags r:id="rId3"/>
+            </p:custDataLst>
+          </p:nvPr>
+        </p:nvSpPr>
         <p:spPr>
           <a:xfrm>
-            <a:off x="455295" y="1949450"/>
-            <a:ext cx="4598035" cy="3772535"/>
+            <a:off x="455295" y="1935480"/>
+            <a:ext cx="1725930" cy="506730"/>
           </a:xfrm>
           <a:prstGeom prst="rect">
             <a:avLst/>
           </a:prstGeom>
+          <a:noFill/>
         </p:spPr>
-      </p:pic>
+        <p:txBody>
+          <a:bodyPr wrap="square" rtlCol="0">
+            <a:spAutoFit/>
+          </a:bodyPr>
+          <a:p>
+            <a:pPr marL="285750" indent="-285750">
+              <a:lnSpc>
+                <a:spcPct val="150000"/>
+              </a:lnSpc>
+              <a:buFont typeface="Wingdings" panose="05000000000000000000" charset="0"/>
+              <a:buChar char="p"/>
+            </a:pPr>
+            <a:r>
+              <a:rPr lang="zh-CN" altLang="en-US" b="1" dirty="0">
+                <a:latin typeface="微软雅黑" panose="020B0503020204020204" charset="-122"/>
+                <a:ea typeface="微软雅黑" panose="020B0503020204020204" charset="-122"/>
+              </a:rPr>
+              <a:t>模型变体：</a:t>
+            </a:r>
+            <a:endParaRPr lang="en-US" altLang="zh-CN" b="1" dirty="0">
+              <a:latin typeface="微软雅黑" panose="020B0503020204020204" charset="-122"/>
+              <a:ea typeface="微软雅黑" panose="020B0503020204020204" charset="-122"/>
+            </a:endParaRPr>
+          </a:p>
+        </p:txBody>
+      </p:sp>
       <p:pic>
         <p:nvPicPr>
-          <p:cNvPr id="7" name="图片 6"/>
+          <p:cNvPr id="8" name="图片 7"/>
           <p:cNvPicPr>
             <a:picLocks noChangeAspect="1"/>
           </p:cNvPicPr>
@@ -7696,8 +8117,32 @@
         </p:blipFill>
         <p:spPr>
           <a:xfrm>
-            <a:off x="5610225" y="1949450"/>
-            <a:ext cx="5273675" cy="3378835"/>
+            <a:off x="818515" y="2442210"/>
+            <a:ext cx="6235700" cy="1276350"/>
+          </a:xfrm>
+          <a:prstGeom prst="rect">
+            <a:avLst/>
+          </a:prstGeom>
+        </p:spPr>
+      </p:pic>
+      <p:pic>
+        <p:nvPicPr>
+          <p:cNvPr id="9" name="图片 8"/>
+          <p:cNvPicPr>
+            <a:picLocks noChangeAspect="1"/>
+          </p:cNvPicPr>
+          <p:nvPr/>
+        </p:nvPicPr>
+        <p:blipFill>
+          <a:blip r:embed="rId5"/>
+          <a:stretch>
+            <a:fillRect/>
+          </a:stretch>
+        </p:blipFill>
+        <p:spPr>
+          <a:xfrm>
+            <a:off x="745490" y="3994150"/>
+            <a:ext cx="9144000" cy="2863850"/>
           </a:xfrm>
           <a:prstGeom prst="rect">
             <a:avLst/>
@@ -7731,14 +8176,14 @@
       </p:grpSpPr>
       <p:sp>
         <p:nvSpPr>
-          <p:cNvPr id="7" name="文本框 6"/>
+          <p:cNvPr id="13" name="文本框 12"/>
           <p:cNvSpPr txBox="1"/>
           <p:nvPr/>
         </p:nvSpPr>
         <p:spPr>
           <a:xfrm>
-            <a:off x="724535" y="1323340"/>
-            <a:ext cx="2247900" cy="410845"/>
+            <a:off x="106466" y="601786"/>
+            <a:ext cx="1033780" cy="398780"/>
           </a:xfrm>
           <a:prstGeom prst="rect">
             <a:avLst/>
@@ -7746,20 +8191,23 @@
           <a:noFill/>
         </p:spPr>
         <p:txBody>
-          <a:bodyPr wrap="square">
-            <a:noAutofit/>
+          <a:bodyPr wrap="none" rtlCol="0">
+            <a:spAutoFit/>
           </a:bodyPr>
           <a:lstStyle/>
           <a:p>
-            <a:pPr algn="l" fontAlgn="auto">
-              <a:lnSpc>
-                <a:spcPts val="2200"/>
-              </a:lnSpc>
-              <a:buClrTx/>
-              <a:buSzTx/>
-              <a:buNone/>
+            <a:pPr marL="342900" indent="-342900">
+              <a:buFont typeface="Wingdings" panose="05000000000000000000" charset="0"/>
+              <a:buChar char="n"/>
             </a:pPr>
-            <a:endParaRPr lang="zh-CN" altLang="en-US" sz="1600" dirty="0">
+            <a:r>
+              <a:rPr lang="zh-CN" altLang="en-US" sz="2000" b="1" dirty="0">
+                <a:latin typeface="微软雅黑" panose="020B0503020204020204" charset="-122"/>
+                <a:ea typeface="微软雅黑" panose="020B0503020204020204" charset="-122"/>
+              </a:rPr>
+              <a:t>实验</a:t>
+            </a:r>
+            <a:endParaRPr lang="zh-CN" altLang="en-US" sz="2000" b="1" dirty="0">
               <a:latin typeface="微软雅黑" panose="020B0503020204020204" charset="-122"/>
               <a:ea typeface="微软雅黑" panose="020B0503020204020204" charset="-122"/>
             </a:endParaRPr>
@@ -7768,7 +8216,7 @@
       </p:sp>
       <p:sp>
         <p:nvSpPr>
-          <p:cNvPr id="3" name="矩形 2"/>
+          <p:cNvPr id="6" name="矩形 5"/>
           <p:cNvSpPr/>
           <p:nvPr>
             <p:custDataLst>
@@ -7827,15 +8275,311 @@
               <a:defRPr/>
             </a:pPr>
             <a:r>
-              <a:rPr lang="en-US" altLang="zh-CN" sz="1800" dirty="0">
+              <a:rPr lang="en-US" altLang="zh-CN" dirty="0">
                 <a:effectLst/>
                 <a:latin typeface="微软雅黑" panose="020B0503020204020204" charset="-122"/>
                 <a:ea typeface="微软雅黑" panose="020B0503020204020204" charset="-122"/>
-              </a:rPr>
-              <a:t>2.</a:t>
+                <a:sym typeface="+mn-ea"/>
+              </a:rPr>
+              <a:t>1.AN IMAGE IS WORTH 16X16 WORDS:</a:t>
             </a:r>
             <a:endParaRPr lang="en-US" altLang="zh-CN" dirty="0">
               <a:effectLst/>
+              <a:latin typeface="微软雅黑" panose="020B0503020204020204" charset="-122"/>
+              <a:ea typeface="微软雅黑" panose="020B0503020204020204" charset="-122"/>
+              <a:sym typeface="+mn-ea"/>
+            </a:endParaRPr>
+          </a:p>
+          <a:p>
+            <a:pPr marL="0" marR="0" lvl="0" indent="0" algn="ctr" defTabSz="914400" rtl="0" eaLnBrk="1" fontAlgn="auto" latinLnBrk="0" hangingPunct="1">
+              <a:lnSpc>
+                <a:spcPct val="100000"/>
+              </a:lnSpc>
+              <a:spcBef>
+                <a:spcPts val="0"/>
+              </a:spcBef>
+              <a:spcAft>
+                <a:spcPts val="0"/>
+              </a:spcAft>
+              <a:buClrTx/>
+              <a:buSzTx/>
+              <a:buFontTx/>
+              <a:buNone/>
+              <a:defRPr/>
+            </a:pPr>
+            <a:r>
+              <a:rPr lang="en-US" altLang="zh-CN" dirty="0">
+                <a:effectLst/>
+                <a:latin typeface="微软雅黑" panose="020B0503020204020204" charset="-122"/>
+                <a:ea typeface="微软雅黑" panose="020B0503020204020204" charset="-122"/>
+                <a:sym typeface="+mn-ea"/>
+              </a:rPr>
+              <a:t>TRANSFORMERS FOR IMAGE RECOGNITION AT SCALE</a:t>
+            </a:r>
+            <a:endParaRPr lang="en-US" altLang="zh-CN" dirty="0">
+              <a:effectLst/>
+              <a:latin typeface="微软雅黑" panose="020B0503020204020204" charset="-122"/>
+              <a:ea typeface="微软雅黑" panose="020B0503020204020204" charset="-122"/>
+            </a:endParaRPr>
+          </a:p>
+        </p:txBody>
+      </p:sp>
+      <p:sp>
+        <p:nvSpPr>
+          <p:cNvPr id="5" name="文本框 4"/>
+          <p:cNvSpPr txBox="1"/>
+          <p:nvPr>
+            <p:custDataLst>
+              <p:tags r:id="rId2"/>
+            </p:custDataLst>
+          </p:nvPr>
+        </p:nvSpPr>
+        <p:spPr>
+          <a:xfrm>
+            <a:off x="455295" y="845185"/>
+            <a:ext cx="1725930" cy="506730"/>
+          </a:xfrm>
+          <a:prstGeom prst="rect">
+            <a:avLst/>
+          </a:prstGeom>
+          <a:noFill/>
+        </p:spPr>
+        <p:txBody>
+          <a:bodyPr wrap="square" rtlCol="0">
+            <a:spAutoFit/>
+          </a:bodyPr>
+          <a:p>
+            <a:pPr marL="285750" indent="-285750">
+              <a:lnSpc>
+                <a:spcPct val="150000"/>
+              </a:lnSpc>
+              <a:buFont typeface="Wingdings" panose="05000000000000000000" charset="0"/>
+              <a:buChar char="p"/>
+            </a:pPr>
+            <a:r>
+              <a:rPr lang="zh-CN" altLang="en-US" b="1" dirty="0">
+                <a:latin typeface="微软雅黑" panose="020B0503020204020204" charset="-122"/>
+                <a:ea typeface="微软雅黑" panose="020B0503020204020204" charset="-122"/>
+              </a:rPr>
+              <a:t>实验背景：</a:t>
+            </a:r>
+            <a:endParaRPr lang="en-US" altLang="zh-CN" b="1" dirty="0">
+              <a:latin typeface="微软雅黑" panose="020B0503020204020204" charset="-122"/>
+              <a:ea typeface="微软雅黑" panose="020B0503020204020204" charset="-122"/>
+            </a:endParaRPr>
+          </a:p>
+        </p:txBody>
+      </p:sp>
+      <p:sp>
+        <p:nvSpPr>
+          <p:cNvPr id="4" name="文本框 3"/>
+          <p:cNvSpPr txBox="1"/>
+          <p:nvPr/>
+        </p:nvSpPr>
+        <p:spPr>
+          <a:xfrm>
+            <a:off x="911860" y="1306195"/>
+            <a:ext cx="11280140" cy="337185"/>
+          </a:xfrm>
+          <a:prstGeom prst="rect">
+            <a:avLst/>
+          </a:prstGeom>
+        </p:spPr>
+        <p:txBody>
+          <a:bodyPr wrap="square">
+            <a:spAutoFit/>
+          </a:bodyPr>
+          <a:p>
+            <a:pPr marL="0" indent="0" algn="just"/>
+            <a:r>
+              <a:rPr lang="zh-CN" altLang="en-US" sz="1600" b="0" i="0">
+                <a:solidFill>
+                  <a:srgbClr val="000000"/>
+                </a:solidFill>
+                <a:latin typeface="微软雅黑" panose="020B0503020204020204" charset="-122"/>
+                <a:ea typeface="微软雅黑" panose="020B0503020204020204" charset="-122"/>
+              </a:rPr>
+              <a:t>检测预训练集大小对模型效果的影响</a:t>
+            </a:r>
+            <a:endParaRPr lang="zh-CN" altLang="en-US" sz="1600" b="0" i="0">
+              <a:solidFill>
+                <a:srgbClr val="000000"/>
+              </a:solidFill>
+              <a:latin typeface="微软雅黑" panose="020B0503020204020204" charset="-122"/>
+              <a:ea typeface="微软雅黑" panose="020B0503020204020204" charset="-122"/>
+            </a:endParaRPr>
+          </a:p>
+        </p:txBody>
+      </p:sp>
+      <p:pic>
+        <p:nvPicPr>
+          <p:cNvPr id="7" name="图片 6"/>
+          <p:cNvPicPr>
+            <a:picLocks noChangeAspect="1"/>
+          </p:cNvPicPr>
+          <p:nvPr/>
+        </p:nvPicPr>
+        <p:blipFill>
+          <a:blip r:embed="rId3"/>
+          <a:stretch>
+            <a:fillRect/>
+          </a:stretch>
+        </p:blipFill>
+        <p:spPr>
+          <a:xfrm>
+            <a:off x="551180" y="1719580"/>
+            <a:ext cx="4610100" cy="5149850"/>
+          </a:xfrm>
+          <a:prstGeom prst="rect">
+            <a:avLst/>
+          </a:prstGeom>
+        </p:spPr>
+      </p:pic>
+      <p:sp>
+        <p:nvSpPr>
+          <p:cNvPr id="10" name="文本框 9"/>
+          <p:cNvSpPr txBox="1"/>
+          <p:nvPr/>
+        </p:nvSpPr>
+        <p:spPr>
+          <a:xfrm>
+            <a:off x="5393055" y="1851660"/>
+            <a:ext cx="4661535" cy="1322070"/>
+          </a:xfrm>
+          <a:prstGeom prst="rect">
+            <a:avLst/>
+          </a:prstGeom>
+        </p:spPr>
+        <p:txBody>
+          <a:bodyPr wrap="square">
+            <a:spAutoFit/>
+          </a:bodyPr>
+          <a:p>
+            <a:pPr marL="0" indent="0" algn="just"/>
+            <a:r>
+              <a:rPr lang="zh-CN" altLang="en-US" sz="1600" b="0" i="0">
+                <a:solidFill>
+                  <a:srgbClr val="000000"/>
+                </a:solidFill>
+                <a:latin typeface="微软雅黑" panose="020B0503020204020204" charset="-122"/>
+                <a:ea typeface="微软雅黑" panose="020B0503020204020204" charset="-122"/>
+              </a:rPr>
+              <a:t>卷积实现的</a:t>
+            </a:r>
+            <a:r>
+              <a:rPr lang="en-US" altLang="zh-CN" sz="1600" b="0" i="0">
+                <a:solidFill>
+                  <a:srgbClr val="000000"/>
+                </a:solidFill>
+                <a:latin typeface="微软雅黑" panose="020B0503020204020204" charset="-122"/>
+                <a:ea typeface="微软雅黑" panose="020B0503020204020204" charset="-122"/>
+              </a:rPr>
+              <a:t>BiT</a:t>
+            </a:r>
+            <a:r>
+              <a:rPr lang="zh-CN" altLang="en-US" sz="1600" b="0" i="0">
+                <a:solidFill>
+                  <a:srgbClr val="000000"/>
+                </a:solidFill>
+                <a:latin typeface="微软雅黑" panose="020B0503020204020204" charset="-122"/>
+                <a:ea typeface="微软雅黑" panose="020B0503020204020204" charset="-122"/>
+              </a:rPr>
+              <a:t>在较小数据集的预训练效果会比</a:t>
+            </a:r>
+            <a:r>
+              <a:rPr lang="en-US" altLang="zh-CN" sz="1600" b="0" i="0">
+                <a:solidFill>
+                  <a:srgbClr val="000000"/>
+                </a:solidFill>
+                <a:latin typeface="微软雅黑" panose="020B0503020204020204" charset="-122"/>
+                <a:ea typeface="微软雅黑" panose="020B0503020204020204" charset="-122"/>
+              </a:rPr>
+              <a:t>ViT</a:t>
+            </a:r>
+            <a:r>
+              <a:rPr lang="zh-CN" altLang="en-US" sz="1600" b="0" i="0">
+                <a:solidFill>
+                  <a:srgbClr val="000000"/>
+                </a:solidFill>
+                <a:latin typeface="微软雅黑" panose="020B0503020204020204" charset="-122"/>
+                <a:ea typeface="微软雅黑" panose="020B0503020204020204" charset="-122"/>
+              </a:rPr>
+              <a:t>要好</a:t>
+            </a:r>
+            <a:endParaRPr lang="zh-CN" altLang="en-US" sz="1600" b="0" i="0">
+              <a:solidFill>
+                <a:srgbClr val="000000"/>
+              </a:solidFill>
+              <a:latin typeface="微软雅黑" panose="020B0503020204020204" charset="-122"/>
+              <a:ea typeface="微软雅黑" panose="020B0503020204020204" charset="-122"/>
+            </a:endParaRPr>
+          </a:p>
+          <a:p>
+            <a:pPr marL="0" indent="0" algn="just"/>
+            <a:endParaRPr lang="zh-CN" altLang="en-US" sz="1600" b="0" i="0">
+              <a:solidFill>
+                <a:srgbClr val="000000"/>
+              </a:solidFill>
+              <a:latin typeface="微软雅黑" panose="020B0503020204020204" charset="-122"/>
+              <a:ea typeface="微软雅黑" panose="020B0503020204020204" charset="-122"/>
+            </a:endParaRPr>
+          </a:p>
+          <a:p>
+            <a:pPr marL="0" indent="0" algn="just"/>
+            <a:r>
+              <a:rPr lang="zh-CN" altLang="en-US" sz="1600" b="0" i="0">
+                <a:solidFill>
+                  <a:srgbClr val="000000"/>
+                </a:solidFill>
+                <a:latin typeface="微软雅黑" panose="020B0503020204020204" charset="-122"/>
+                <a:ea typeface="微软雅黑" panose="020B0503020204020204" charset="-122"/>
+              </a:rPr>
+              <a:t>但是在数据集增大的过程中，</a:t>
+            </a:r>
+            <a:r>
+              <a:rPr lang="en-US" altLang="zh-CN" sz="1600" b="0" i="0">
+                <a:solidFill>
+                  <a:srgbClr val="000000"/>
+                </a:solidFill>
+                <a:latin typeface="微软雅黑" panose="020B0503020204020204" charset="-122"/>
+                <a:ea typeface="微软雅黑" panose="020B0503020204020204" charset="-122"/>
+              </a:rPr>
+              <a:t>BiT</a:t>
+            </a:r>
+            <a:r>
+              <a:rPr lang="zh-CN" altLang="en-US" sz="1600" b="0" i="0">
+                <a:solidFill>
+                  <a:srgbClr val="000000"/>
+                </a:solidFill>
+                <a:latin typeface="微软雅黑" panose="020B0503020204020204" charset="-122"/>
+                <a:ea typeface="微软雅黑" panose="020B0503020204020204" charset="-122"/>
+              </a:rPr>
+              <a:t>会出现饱和甚至下降，而</a:t>
+            </a:r>
+            <a:r>
+              <a:rPr lang="en-US" altLang="zh-CN" sz="1600" b="0" i="0">
+                <a:solidFill>
+                  <a:srgbClr val="000000"/>
+                </a:solidFill>
+                <a:latin typeface="微软雅黑" panose="020B0503020204020204" charset="-122"/>
+                <a:ea typeface="微软雅黑" panose="020B0503020204020204" charset="-122"/>
+              </a:rPr>
+              <a:t>ViT</a:t>
+            </a:r>
+            <a:r>
+              <a:rPr lang="zh-CN" altLang="en-US" sz="1600" b="0" i="0">
+                <a:solidFill>
+                  <a:srgbClr val="000000"/>
+                </a:solidFill>
+                <a:latin typeface="微软雅黑" panose="020B0503020204020204" charset="-122"/>
+                <a:ea typeface="微软雅黑" panose="020B0503020204020204" charset="-122"/>
+              </a:rPr>
+              <a:t>没有出现饱和趋势</a:t>
+            </a:r>
+            <a:endParaRPr lang="zh-CN" altLang="en-US" sz="1600" b="0" i="0">
+              <a:solidFill>
+                <a:srgbClr val="000000"/>
+              </a:solidFill>
               <a:latin typeface="微软雅黑" panose="020B0503020204020204" charset="-122"/>
               <a:ea typeface="微软雅黑" panose="020B0503020204020204" charset="-122"/>
             </a:endParaRPr>
@@ -7970,7 +8714,7 @@
                 <a:latin typeface="微软雅黑" panose="020B0503020204020204" charset="-122"/>
                 <a:ea typeface="微软雅黑" panose="020B0503020204020204" charset="-122"/>
               </a:rPr>
-              <a:t>3.</a:t>
+              <a:t>2.</a:t>
             </a:r>
             <a:r>
               <a:rPr lang="zh-CN" altLang="en-US" dirty="0">
@@ -8043,7 +8787,7 @@
         <p:spPr>
           <a:xfrm>
             <a:off x="979170" y="1513840"/>
-            <a:ext cx="6306185" cy="4981575"/>
+            <a:ext cx="6306185" cy="2218690"/>
           </a:xfrm>
           <a:prstGeom prst="rect">
             <a:avLst/>
@@ -8239,7 +8983,54 @@
               </a:rPr>
               <a:t>方面基础论文和进阶论文。</a:t>
             </a:r>
+            <a:endParaRPr lang="zh-CN" altLang="en-US" sz="1600" dirty="0">
+              <a:solidFill>
+                <a:schemeClr val="tx1"/>
+              </a:solidFill>
+              <a:latin typeface="微软雅黑" panose="020B0503020204020204" charset="-122"/>
+              <a:ea typeface="微软雅黑" panose="020B0503020204020204" charset="-122"/>
+            </a:endParaRPr>
+          </a:p>
+          <a:p>
+            <a:endParaRPr lang="zh-CN" altLang="en-US" sz="1600" dirty="0">
+              <a:solidFill>
+                <a:schemeClr val="tx1"/>
+              </a:solidFill>
+              <a:latin typeface="微软雅黑" panose="020B0503020204020204" charset="-122"/>
+              <a:ea typeface="微软雅黑" panose="020B0503020204020204" charset="-122"/>
+            </a:endParaRPr>
+          </a:p>
+          <a:p>
             <a:endParaRPr lang="en-US" altLang="zh-CN" sz="1600" dirty="0">
+              <a:solidFill>
+                <a:schemeClr val="tx1"/>
+              </a:solidFill>
+              <a:latin typeface="微软雅黑" panose="020B0503020204020204" charset="-122"/>
+              <a:ea typeface="微软雅黑" panose="020B0503020204020204" charset="-122"/>
+            </a:endParaRPr>
+          </a:p>
+          <a:p>
+            <a:r>
+              <a:rPr lang="en-US" altLang="zh-CN" sz="1600" dirty="0">
+                <a:solidFill>
+                  <a:schemeClr val="tx1"/>
+                </a:solidFill>
+                <a:latin typeface="微软雅黑" panose="020B0503020204020204" charset="-122"/>
+                <a:ea typeface="微软雅黑" panose="020B0503020204020204" charset="-122"/>
+              </a:rPr>
+              <a:t>4.  </a:t>
+            </a:r>
+            <a:r>
+              <a:rPr lang="zh-CN" altLang="en-US" sz="1600" dirty="0">
+                <a:solidFill>
+                  <a:schemeClr val="tx1"/>
+                </a:solidFill>
+                <a:latin typeface="微软雅黑" panose="020B0503020204020204" charset="-122"/>
+                <a:ea typeface="微软雅黑" panose="020B0503020204020204" charset="-122"/>
+              </a:rPr>
+              <a:t>本周打算国庆学习汇报的一篇论文Cal-DETR: Calibrated Detection Transformer。实在没有理解论文表达的校准检测的意思，打算先从普通模型的校准检测论文、代码入手加深理解</a:t>
+            </a:r>
+            <a:endParaRPr lang="zh-CN" altLang="en-US" sz="1600" dirty="0">
               <a:solidFill>
                 <a:schemeClr val="tx1"/>
               </a:solidFill>
@@ -8385,6 +9176,7 @@
 
 <file path=ppt/tags/tag5.xml><?xml version="1.0" encoding="utf-8"?>
 <p:tagLst xmlns:p="http://schemas.openxmlformats.org/presentationml/2006/main">
+  <p:tag name="KSO_WM_BEAUTIFY_FLAG" val=""/>
   <p:tag name="KSO_WM_DIAGRAM_VIRTUALLY_FRAME" val="{&quot;height&quot;:130.17354330708662,&quot;left&quot;:238.70267716535432,&quot;top&quot;:116.24960629921259,&quot;width&quot;:665.8}"/>
 </p:tagLst>
 </file>
@@ -8399,14 +9191,12 @@
 <file path=ppt/tags/tag7.xml><?xml version="1.0" encoding="utf-8"?>
 <p:tagLst xmlns:p="http://schemas.openxmlformats.org/presentationml/2006/main">
   <p:tag name="KSO_WM_BEAUTIFY_FLAG" val=""/>
-  <p:tag name="KSO_WM_DIAGRAM_VIRTUALLY_FRAME" val="{&quot;height&quot;:130.17354330708662,&quot;left&quot;:238.70267716535432,&quot;top&quot;:116.24960629921259,&quot;width&quot;:665.8}"/>
 </p:tagLst>
 </file>
 
 <file path=ppt/tags/tag8.xml><?xml version="1.0" encoding="utf-8"?>
 <p:tagLst xmlns:p="http://schemas.openxmlformats.org/presentationml/2006/main">
   <p:tag name="KSO_WM_BEAUTIFY_FLAG" val=""/>
-  <p:tag name="KSO_WM_DIAGRAM_VIRTUALLY_FRAME" val="{&quot;height&quot;:130.17354330708662,&quot;left&quot;:238.70267716535432,&quot;top&quot;:116.24960629921259,&quot;width&quot;:665.8}"/>
 </p:tagLst>
 </file>
 

--- a/0.组会记录/2024-10-9/report-2024-10-10.pptx
+++ b/0.组会记录/2024-10-9/report-2024-10-10.pptx
@@ -4788,8 +4788,33 @@
                 <a:ea typeface="微软雅黑" panose="020B0503020204020204" charset="-122"/>
                 <a:sym typeface="+mn-ea"/>
               </a:rPr>
-              <a:t>下周计划</a:t>
-            </a:r>
+              <a:t>下周计划&amp;基础补齐</a:t>
+            </a:r>
+            <a:endParaRPr lang="zh-CN" altLang="en-US" sz="2400" dirty="0">
+              <a:solidFill>
+                <a:srgbClr val="383987"/>
+              </a:solidFill>
+              <a:latin typeface="微软雅黑" panose="020B0503020204020204" charset="-122"/>
+              <a:ea typeface="微软雅黑" panose="020B0503020204020204" charset="-122"/>
+            </a:endParaRPr>
+          </a:p>
+          <a:p>
+            <a:pPr marL="0" marR="0" lvl="0" indent="0" algn="ctr" defTabSz="914400" rtl="0" eaLnBrk="1" fontAlgn="auto" latinLnBrk="0" hangingPunct="1">
+              <a:lnSpc>
+                <a:spcPct val="100000"/>
+              </a:lnSpc>
+              <a:spcBef>
+                <a:spcPts val="0"/>
+              </a:spcBef>
+              <a:spcAft>
+                <a:spcPts val="0"/>
+              </a:spcAft>
+              <a:buClrTx/>
+              <a:buSzTx/>
+              <a:buFontTx/>
+              <a:buNone/>
+              <a:defRPr/>
+            </a:pPr>
             <a:endParaRPr lang="zh-CN" altLang="en-US" sz="2400" dirty="0">
               <a:solidFill>
                 <a:srgbClr val="383987"/>
@@ -8724,6 +8749,22 @@
               </a:rPr>
               <a:t>下周计划</a:t>
             </a:r>
+            <a:r>
+              <a:rPr lang="en-US" altLang="zh-CN" dirty="0">
+                <a:effectLst/>
+                <a:latin typeface="微软雅黑" panose="020B0503020204020204" charset="-122"/>
+                <a:ea typeface="微软雅黑" panose="020B0503020204020204" charset="-122"/>
+              </a:rPr>
+              <a:t>&amp;</a:t>
+            </a:r>
+            <a:r>
+              <a:rPr lang="zh-CN" altLang="en-US" dirty="0">
+                <a:effectLst/>
+                <a:latin typeface="微软雅黑" panose="020B0503020204020204" charset="-122"/>
+                <a:ea typeface="微软雅黑" panose="020B0503020204020204" charset="-122"/>
+              </a:rPr>
+              <a:t>基础补齐</a:t>
+            </a:r>
             <a:endParaRPr lang="zh-CN" altLang="en-US" dirty="0">
               <a:effectLst/>
               <a:latin typeface="微软雅黑" panose="020B0503020204020204" charset="-122"/>
@@ -8787,7 +8828,7 @@
         <p:spPr>
           <a:xfrm>
             <a:off x="979170" y="1513840"/>
-            <a:ext cx="6306185" cy="2218690"/>
+            <a:ext cx="5435600" cy="5110480"/>
           </a:xfrm>
           <a:prstGeom prst="rect">
             <a:avLst/>
@@ -8914,7 +8955,47 @@
                 <a:latin typeface="微软雅黑" panose="020B0503020204020204" charset="-122"/>
                 <a:ea typeface="微软雅黑" panose="020B0503020204020204" charset="-122"/>
               </a:rPr>
-              <a:t>  </a:t>
+              <a:t> </a:t>
+            </a:r>
+            <a:r>
+              <a:rPr lang="zh-CN" altLang="en-US" sz="1600" dirty="0">
+                <a:solidFill>
+                  <a:schemeClr val="tx1"/>
+                </a:solidFill>
+                <a:latin typeface="微软雅黑" panose="020B0503020204020204" charset="-122"/>
+                <a:ea typeface="微软雅黑" panose="020B0503020204020204" charset="-122"/>
+              </a:rPr>
+              <a:t>，已经跟着一些手撕代码的视频接触了</a:t>
+            </a:r>
+            <a:r>
+              <a:rPr lang="en-US" altLang="zh-CN" sz="1600" dirty="0">
+                <a:solidFill>
+                  <a:schemeClr val="tx1"/>
+                </a:solidFill>
+                <a:latin typeface="微软雅黑" panose="020B0503020204020204" charset="-122"/>
+                <a:ea typeface="微软雅黑" panose="020B0503020204020204" charset="-122"/>
+              </a:rPr>
+              <a:t>Transformer</a:t>
+            </a:r>
+            <a:r>
+              <a:rPr lang="zh-CN" altLang="en-US" sz="1600" dirty="0">
+                <a:solidFill>
+                  <a:schemeClr val="tx1"/>
+                </a:solidFill>
+                <a:latin typeface="微软雅黑" panose="020B0503020204020204" charset="-122"/>
+                <a:ea typeface="微软雅黑" panose="020B0503020204020204" charset="-122"/>
+              </a:rPr>
+              <a:t>实现了机器翻译过程</a:t>
+            </a:r>
+            <a:r>
+              <a:rPr lang="en-US" altLang="zh-CN" sz="1600" dirty="0">
+                <a:solidFill>
+                  <a:schemeClr val="tx1"/>
+                </a:solidFill>
+                <a:latin typeface="微软雅黑" panose="020B0503020204020204" charset="-122"/>
+                <a:ea typeface="微软雅黑" panose="020B0503020204020204" charset="-122"/>
+              </a:rPr>
+              <a:t> </a:t>
             </a:r>
             <a:endParaRPr lang="zh-CN" altLang="en-US" sz="1600" dirty="0">
               <a:solidFill>
@@ -9067,6 +9148,30 @@
           </a:p>
         </p:txBody>
       </p:sp>
+      <p:pic>
+        <p:nvPicPr>
+          <p:cNvPr id="5" name="图片 4"/>
+          <p:cNvPicPr>
+            <a:picLocks noChangeAspect="1"/>
+          </p:cNvPicPr>
+          <p:nvPr/>
+        </p:nvPicPr>
+        <p:blipFill>
+          <a:blip r:embed="rId3"/>
+          <a:stretch>
+            <a:fillRect/>
+          </a:stretch>
+        </p:blipFill>
+        <p:spPr>
+          <a:xfrm>
+            <a:off x="7617460" y="1054100"/>
+            <a:ext cx="4453255" cy="3495040"/>
+          </a:xfrm>
+          <a:prstGeom prst="rect">
+            <a:avLst/>
+          </a:prstGeom>
+        </p:spPr>
+      </p:pic>
     </p:spTree>
   </p:cSld>
   <p:clrMapOvr>
